--- a/Slides/Day4_Rule_Based_Models_I.pptx
+++ b/Slides/Day4_Rule_Based_Models_I.pptx
@@ -5,27 +5,31 @@
     <p:sldMasterId id="2147483660" r:id="rId1"/>
   </p:sldMasterIdLst>
   <p:notesMasterIdLst>
-    <p:notesMasterId r:id="rId20"/>
+    <p:notesMasterId r:id="rId24"/>
   </p:notesMasterIdLst>
   <p:sldIdLst>
     <p:sldId id="256" r:id="rId2"/>
-    <p:sldId id="273" r:id="rId3"/>
-    <p:sldId id="269" r:id="rId4"/>
-    <p:sldId id="272" r:id="rId5"/>
-    <p:sldId id="270" r:id="rId6"/>
-    <p:sldId id="274" r:id="rId7"/>
-    <p:sldId id="275" r:id="rId8"/>
-    <p:sldId id="276" r:id="rId9"/>
-    <p:sldId id="271" r:id="rId10"/>
-    <p:sldId id="268" r:id="rId11"/>
-    <p:sldId id="265" r:id="rId12"/>
-    <p:sldId id="266" r:id="rId13"/>
-    <p:sldId id="257" r:id="rId14"/>
-    <p:sldId id="280" r:id="rId15"/>
-    <p:sldId id="262" r:id="rId16"/>
-    <p:sldId id="259" r:id="rId17"/>
-    <p:sldId id="281" r:id="rId18"/>
-    <p:sldId id="282" r:id="rId19"/>
+    <p:sldId id="285" r:id="rId3"/>
+    <p:sldId id="286" r:id="rId4"/>
+    <p:sldId id="284" r:id="rId5"/>
+    <p:sldId id="273" r:id="rId6"/>
+    <p:sldId id="269" r:id="rId7"/>
+    <p:sldId id="272" r:id="rId8"/>
+    <p:sldId id="270" r:id="rId9"/>
+    <p:sldId id="274" r:id="rId10"/>
+    <p:sldId id="275" r:id="rId11"/>
+    <p:sldId id="276" r:id="rId12"/>
+    <p:sldId id="271" r:id="rId13"/>
+    <p:sldId id="268" r:id="rId14"/>
+    <p:sldId id="265" r:id="rId15"/>
+    <p:sldId id="266" r:id="rId16"/>
+    <p:sldId id="257" r:id="rId17"/>
+    <p:sldId id="280" r:id="rId18"/>
+    <p:sldId id="262" r:id="rId19"/>
+    <p:sldId id="259" r:id="rId20"/>
+    <p:sldId id="281" r:id="rId21"/>
+    <p:sldId id="282" r:id="rId22"/>
+    <p:sldId id="283" r:id="rId23"/>
   </p:sldIdLst>
   <p:sldSz cx="12192000" cy="6858000"/>
   <p:notesSz cx="6858000" cy="9144000"/>
@@ -214,7 +218,7 @@
           <a:p>
             <a:fld id="{4B91137B-3F98-4A6E-A139-A78BF5115CA2}" type="datetimeFigureOut">
               <a:rPr lang="en-US" smtClean="0"/>
-              <a:t>7/25/2018</a:t>
+              <a:t>7/26/2018</a:t>
             </a:fld>
             <a:endParaRPr lang="en-US"/>
           </a:p>
@@ -636,7 +640,181 @@
           <a:p>
             <a:fld id="{B02857E3-973A-4372-AA25-35C1B3562A52}" type="slidenum">
               <a:rPr lang="en-US" smtClean="0"/>
-              <a:t>18</a:t>
+              <a:t>19</a:t>
+            </a:fld>
+            <a:endParaRPr lang="en-US"/>
+          </a:p>
+        </p:txBody>
+      </p:sp>
+    </p:spTree>
+    <p:extLst>
+      <p:ext uri="{BB962C8B-B14F-4D97-AF65-F5344CB8AC3E}">
+        <p14:creationId xmlns:p14="http://schemas.microsoft.com/office/powerpoint/2010/main" val="1617767151"/>
+      </p:ext>
+    </p:extLst>
+  </p:cSld>
+  <p:clrMapOvr>
+    <a:masterClrMapping/>
+  </p:clrMapOvr>
+</p:notes>
+</file>
+
+<file path=ppt/notesSlides/notesSlide11.xml><?xml version="1.0" encoding="utf-8"?>
+<p:notes xmlns:a="http://schemas.openxmlformats.org/drawingml/2006/main" xmlns:r="http://schemas.openxmlformats.org/officeDocument/2006/relationships" xmlns:p="http://schemas.openxmlformats.org/presentationml/2006/main">
+  <p:cSld>
+    <p:spTree>
+      <p:nvGrpSpPr>
+        <p:cNvPr id="1" name=""/>
+        <p:cNvGrpSpPr/>
+        <p:nvPr/>
+      </p:nvGrpSpPr>
+      <p:grpSpPr>
+        <a:xfrm>
+          <a:off x="0" y="0"/>
+          <a:ext cx="0" cy="0"/>
+          <a:chOff x="0" y="0"/>
+          <a:chExt cx="0" cy="0"/>
+        </a:xfrm>
+      </p:grpSpPr>
+      <p:sp>
+        <p:nvSpPr>
+          <p:cNvPr id="2" name="Slide Image Placeholder 1"/>
+          <p:cNvSpPr>
+            <a:spLocks noGrp="1" noRot="1" noChangeAspect="1"/>
+          </p:cNvSpPr>
+          <p:nvPr>
+            <p:ph type="sldImg"/>
+          </p:nvPr>
+        </p:nvSpPr>
+        <p:spPr/>
+      </p:sp>
+      <p:sp>
+        <p:nvSpPr>
+          <p:cNvPr id="3" name="Notes Placeholder 2"/>
+          <p:cNvSpPr>
+            <a:spLocks noGrp="1"/>
+          </p:cNvSpPr>
+          <p:nvPr>
+            <p:ph type="body" idx="1"/>
+          </p:nvPr>
+        </p:nvSpPr>
+        <p:spPr/>
+        <p:txBody>
+          <a:bodyPr/>
+          <a:lstStyle/>
+          <a:p>
+            <a:r>
+              <a:rPr lang="en-US" dirty="0"/>
+              <a:t>- What about the sentiment of text?</a:t>
+            </a:r>
+          </a:p>
+        </p:txBody>
+      </p:sp>
+      <p:sp>
+        <p:nvSpPr>
+          <p:cNvPr id="4" name="Slide Number Placeholder 3"/>
+          <p:cNvSpPr>
+            <a:spLocks noGrp="1"/>
+          </p:cNvSpPr>
+          <p:nvPr>
+            <p:ph type="sldNum" sz="quarter" idx="10"/>
+          </p:nvPr>
+        </p:nvSpPr>
+        <p:spPr/>
+        <p:txBody>
+          <a:bodyPr/>
+          <a:lstStyle/>
+          <a:p>
+            <a:fld id="{B02857E3-973A-4372-AA25-35C1B3562A52}" type="slidenum">
+              <a:rPr lang="en-US" smtClean="0"/>
+              <a:t>20</a:t>
+            </a:fld>
+            <a:endParaRPr lang="en-US"/>
+          </a:p>
+        </p:txBody>
+      </p:sp>
+    </p:spTree>
+    <p:extLst>
+      <p:ext uri="{BB962C8B-B14F-4D97-AF65-F5344CB8AC3E}">
+        <p14:creationId xmlns:p14="http://schemas.microsoft.com/office/powerpoint/2010/main" val="967967505"/>
+      </p:ext>
+    </p:extLst>
+  </p:cSld>
+  <p:clrMapOvr>
+    <a:masterClrMapping/>
+  </p:clrMapOvr>
+</p:notes>
+</file>
+
+<file path=ppt/notesSlides/notesSlide12.xml><?xml version="1.0" encoding="utf-8"?>
+<p:notes xmlns:a="http://schemas.openxmlformats.org/drawingml/2006/main" xmlns:r="http://schemas.openxmlformats.org/officeDocument/2006/relationships" xmlns:p="http://schemas.openxmlformats.org/presentationml/2006/main">
+  <p:cSld>
+    <p:spTree>
+      <p:nvGrpSpPr>
+        <p:cNvPr id="1" name=""/>
+        <p:cNvGrpSpPr/>
+        <p:nvPr/>
+      </p:nvGrpSpPr>
+      <p:grpSpPr>
+        <a:xfrm>
+          <a:off x="0" y="0"/>
+          <a:ext cx="0" cy="0"/>
+          <a:chOff x="0" y="0"/>
+          <a:chExt cx="0" cy="0"/>
+        </a:xfrm>
+      </p:grpSpPr>
+      <p:sp>
+        <p:nvSpPr>
+          <p:cNvPr id="2" name="Slide Image Placeholder 1"/>
+          <p:cNvSpPr>
+            <a:spLocks noGrp="1" noRot="1" noChangeAspect="1"/>
+          </p:cNvSpPr>
+          <p:nvPr>
+            <p:ph type="sldImg"/>
+          </p:nvPr>
+        </p:nvSpPr>
+        <p:spPr/>
+      </p:sp>
+      <p:sp>
+        <p:nvSpPr>
+          <p:cNvPr id="3" name="Notes Placeholder 2"/>
+          <p:cNvSpPr>
+            <a:spLocks noGrp="1"/>
+          </p:cNvSpPr>
+          <p:nvPr>
+            <p:ph type="body" idx="1"/>
+          </p:nvPr>
+        </p:nvSpPr>
+        <p:spPr/>
+        <p:txBody>
+          <a:bodyPr/>
+          <a:lstStyle/>
+          <a:p>
+            <a:r>
+              <a:rPr lang="en-US" dirty="0"/>
+              <a:t>- What about the sentiment of text?</a:t>
+            </a:r>
+          </a:p>
+        </p:txBody>
+      </p:sp>
+      <p:sp>
+        <p:nvSpPr>
+          <p:cNvPr id="4" name="Slide Number Placeholder 3"/>
+          <p:cNvSpPr>
+            <a:spLocks noGrp="1"/>
+          </p:cNvSpPr>
+          <p:nvPr>
+            <p:ph type="sldNum" sz="quarter" idx="10"/>
+          </p:nvPr>
+        </p:nvSpPr>
+        <p:spPr/>
+        <p:txBody>
+          <a:bodyPr/>
+          <a:lstStyle/>
+          <a:p>
+            <a:fld id="{B02857E3-973A-4372-AA25-35C1B3562A52}" type="slidenum">
+              <a:rPr lang="en-US" smtClean="0"/>
+              <a:t>21</a:t>
             </a:fld>
             <a:endParaRPr lang="en-US"/>
           </a:p>
@@ -723,7 +901,7 @@
           <a:p>
             <a:fld id="{B02857E3-973A-4372-AA25-35C1B3562A52}" type="slidenum">
               <a:rPr lang="en-US" smtClean="0"/>
-              <a:t>8</a:t>
+              <a:t>2</a:t>
             </a:fld>
             <a:endParaRPr lang="en-US"/>
           </a:p>
@@ -732,7 +910,7 @@
     </p:spTree>
     <p:extLst>
       <p:ext uri="{BB962C8B-B14F-4D97-AF65-F5344CB8AC3E}">
-        <p14:creationId xmlns:p14="http://schemas.microsoft.com/office/powerpoint/2010/main" val="2786890311"/>
+        <p14:creationId xmlns:p14="http://schemas.microsoft.com/office/powerpoint/2010/main" val="1738900499"/>
       </p:ext>
     </p:extLst>
   </p:cSld>
@@ -810,7 +988,7 @@
           <a:p>
             <a:fld id="{B02857E3-973A-4372-AA25-35C1B3562A52}" type="slidenum">
               <a:rPr lang="en-US" smtClean="0"/>
-              <a:t>10</a:t>
+              <a:t>4</a:t>
             </a:fld>
             <a:endParaRPr lang="en-US"/>
           </a:p>
@@ -819,7 +997,7 @@
     </p:spTree>
     <p:extLst>
       <p:ext uri="{BB962C8B-B14F-4D97-AF65-F5344CB8AC3E}">
-        <p14:creationId xmlns:p14="http://schemas.microsoft.com/office/powerpoint/2010/main" val="2881758055"/>
+        <p14:creationId xmlns:p14="http://schemas.microsoft.com/office/powerpoint/2010/main" val="740884507"/>
       </p:ext>
     </p:extLst>
   </p:cSld>
@@ -875,7 +1053,7 @@
           <a:p>
             <a:r>
               <a:rPr lang="en-US" dirty="0"/>
-              <a:t>- Motivate rule-based approaches</a:t>
+              <a:t>- What is a rule-based system?</a:t>
             </a:r>
           </a:p>
         </p:txBody>
@@ -897,7 +1075,7 @@
           <a:p>
             <a:fld id="{B02857E3-973A-4372-AA25-35C1B3562A52}" type="slidenum">
               <a:rPr lang="en-US" smtClean="0"/>
-              <a:t>12</a:t>
+              <a:t>11</a:t>
             </a:fld>
             <a:endParaRPr lang="en-US"/>
           </a:p>
@@ -906,7 +1084,7 @@
     </p:spTree>
     <p:extLst>
       <p:ext uri="{BB962C8B-B14F-4D97-AF65-F5344CB8AC3E}">
-        <p14:creationId xmlns:p14="http://schemas.microsoft.com/office/powerpoint/2010/main" val="3889073349"/>
+        <p14:creationId xmlns:p14="http://schemas.microsoft.com/office/powerpoint/2010/main" val="2786890311"/>
       </p:ext>
     </p:extLst>
   </p:cSld>
@@ -960,23 +1138,9 @@
           <a:bodyPr/>
           <a:lstStyle/>
           <a:p>
-            <a:pPr marL="171450" indent="-171450">
-              <a:buFontTx/>
-              <a:buChar char="-"/>
-            </a:pPr>
             <a:r>
               <a:rPr lang="en-US" dirty="0"/>
-              <a:t>Intuitively, how would you classify this?</a:t>
-            </a:r>
-          </a:p>
-          <a:p>
-            <a:pPr marL="171450" indent="-171450">
-              <a:buFontTx/>
-              <a:buChar char="-"/>
-            </a:pPr>
-            <a:r>
-              <a:rPr lang="en-US" dirty="0"/>
-              <a:t>Why did you classify it this way?</a:t>
+              <a:t>- What is a rule-based system?</a:t>
             </a:r>
           </a:p>
         </p:txBody>
@@ -1007,7 +1171,7 @@
     </p:spTree>
     <p:extLst>
       <p:ext uri="{BB962C8B-B14F-4D97-AF65-F5344CB8AC3E}">
-        <p14:creationId xmlns:p14="http://schemas.microsoft.com/office/powerpoint/2010/main" val="2472833182"/>
+        <p14:creationId xmlns:p14="http://schemas.microsoft.com/office/powerpoint/2010/main" val="2881758055"/>
       </p:ext>
     </p:extLst>
   </p:cSld>
@@ -1061,23 +1225,9 @@
           <a:bodyPr/>
           <a:lstStyle/>
           <a:p>
-            <a:pPr marL="171450" indent="-171450">
-              <a:buFontTx/>
-              <a:buChar char="-"/>
-            </a:pPr>
             <a:r>
               <a:rPr lang="en-US" dirty="0"/>
-              <a:t>Intuitively, how would you classify this?</a:t>
-            </a:r>
-          </a:p>
-          <a:p>
-            <a:pPr marL="171450" indent="-171450">
-              <a:buFontTx/>
-              <a:buChar char="-"/>
-            </a:pPr>
-            <a:r>
-              <a:rPr lang="en-US" dirty="0"/>
-              <a:t>Why did you classify it this way?</a:t>
+              <a:t>- Motivate rule-based approaches</a:t>
             </a:r>
           </a:p>
         </p:txBody>
@@ -1099,7 +1249,7 @@
           <a:p>
             <a:fld id="{B02857E3-973A-4372-AA25-35C1B3562A52}" type="slidenum">
               <a:rPr lang="en-US" smtClean="0"/>
-              <a:t>14</a:t>
+              <a:t>15</a:t>
             </a:fld>
             <a:endParaRPr lang="en-US"/>
           </a:p>
@@ -1108,7 +1258,7 @@
     </p:spTree>
     <p:extLst>
       <p:ext uri="{BB962C8B-B14F-4D97-AF65-F5344CB8AC3E}">
-        <p14:creationId xmlns:p14="http://schemas.microsoft.com/office/powerpoint/2010/main" val="1473920479"/>
+        <p14:creationId xmlns:p14="http://schemas.microsoft.com/office/powerpoint/2010/main" val="3889073349"/>
       </p:ext>
     </p:extLst>
   </p:cSld>
@@ -1162,9 +1312,23 @@
           <a:bodyPr/>
           <a:lstStyle/>
           <a:p>
+            <a:pPr marL="171450" indent="-171450">
+              <a:buFontTx/>
+              <a:buChar char="-"/>
+            </a:pPr>
             <a:r>
               <a:rPr lang="en-US" dirty="0"/>
-              <a:t>- Pseudocode</a:t>
+              <a:t>Intuitively, how would you classify this?</a:t>
+            </a:r>
+          </a:p>
+          <a:p>
+            <a:pPr marL="171450" indent="-171450">
+              <a:buFontTx/>
+              <a:buChar char="-"/>
+            </a:pPr>
+            <a:r>
+              <a:rPr lang="en-US" dirty="0"/>
+              <a:t>Why did you classify it this way?</a:t>
             </a:r>
           </a:p>
         </p:txBody>
@@ -1186,7 +1350,7 @@
           <a:p>
             <a:fld id="{B02857E3-973A-4372-AA25-35C1B3562A52}" type="slidenum">
               <a:rPr lang="en-US" smtClean="0"/>
-              <a:t>15</a:t>
+              <a:t>16</a:t>
             </a:fld>
             <a:endParaRPr lang="en-US"/>
           </a:p>
@@ -1195,7 +1359,7 @@
     </p:spTree>
     <p:extLst>
       <p:ext uri="{BB962C8B-B14F-4D97-AF65-F5344CB8AC3E}">
-        <p14:creationId xmlns:p14="http://schemas.microsoft.com/office/powerpoint/2010/main" val="3983690170"/>
+        <p14:creationId xmlns:p14="http://schemas.microsoft.com/office/powerpoint/2010/main" val="2472833182"/>
       </p:ext>
     </p:extLst>
   </p:cSld>
@@ -1249,9 +1413,23 @@
           <a:bodyPr/>
           <a:lstStyle/>
           <a:p>
+            <a:pPr marL="171450" indent="-171450">
+              <a:buFontTx/>
+              <a:buChar char="-"/>
+            </a:pPr>
             <a:r>
               <a:rPr lang="en-US" dirty="0"/>
-              <a:t>- What about the sentiment of text?</a:t>
+              <a:t>Intuitively, how would you classify this?</a:t>
+            </a:r>
+          </a:p>
+          <a:p>
+            <a:pPr marL="171450" indent="-171450">
+              <a:buFontTx/>
+              <a:buChar char="-"/>
+            </a:pPr>
+            <a:r>
+              <a:rPr lang="en-US" dirty="0"/>
+              <a:t>Why did you classify it this way?</a:t>
             </a:r>
           </a:p>
         </p:txBody>
@@ -1273,7 +1451,7 @@
           <a:p>
             <a:fld id="{B02857E3-973A-4372-AA25-35C1B3562A52}" type="slidenum">
               <a:rPr lang="en-US" smtClean="0"/>
-              <a:t>16</a:t>
+              <a:t>17</a:t>
             </a:fld>
             <a:endParaRPr lang="en-US"/>
           </a:p>
@@ -1282,7 +1460,7 @@
     </p:spTree>
     <p:extLst>
       <p:ext uri="{BB962C8B-B14F-4D97-AF65-F5344CB8AC3E}">
-        <p14:creationId xmlns:p14="http://schemas.microsoft.com/office/powerpoint/2010/main" val="1617767151"/>
+        <p14:creationId xmlns:p14="http://schemas.microsoft.com/office/powerpoint/2010/main" val="1473920479"/>
       </p:ext>
     </p:extLst>
   </p:cSld>
@@ -1338,7 +1516,7 @@
           <a:p>
             <a:r>
               <a:rPr lang="en-US" dirty="0"/>
-              <a:t>- What about the sentiment of text?</a:t>
+              <a:t>- Pseudocode</a:t>
             </a:r>
           </a:p>
         </p:txBody>
@@ -1360,7 +1538,7 @@
           <a:p>
             <a:fld id="{B02857E3-973A-4372-AA25-35C1B3562A52}" type="slidenum">
               <a:rPr lang="en-US" smtClean="0"/>
-              <a:t>17</a:t>
+              <a:t>18</a:t>
             </a:fld>
             <a:endParaRPr lang="en-US"/>
           </a:p>
@@ -1369,7 +1547,7 @@
     </p:spTree>
     <p:extLst>
       <p:ext uri="{BB962C8B-B14F-4D97-AF65-F5344CB8AC3E}">
-        <p14:creationId xmlns:p14="http://schemas.microsoft.com/office/powerpoint/2010/main" val="967967505"/>
+        <p14:creationId xmlns:p14="http://schemas.microsoft.com/office/powerpoint/2010/main" val="3983690170"/>
       </p:ext>
     </p:extLst>
   </p:cSld>
@@ -1579,7 +1757,7 @@
           <a:p>
             <a:fld id="{150F8EDD-49D6-4B51-9C8C-F8CBB5F9579E}" type="datetimeFigureOut">
               <a:rPr lang="en-US" smtClean="0"/>
-              <a:t>7/25/2018</a:t>
+              <a:t>7/26/2018</a:t>
             </a:fld>
             <a:endParaRPr lang="en-US"/>
           </a:p>
@@ -1769,7 +1947,7 @@
           <a:p>
             <a:fld id="{150F8EDD-49D6-4B51-9C8C-F8CBB5F9579E}" type="datetimeFigureOut">
               <a:rPr lang="en-US" smtClean="0"/>
-              <a:t>7/25/2018</a:t>
+              <a:t>7/26/2018</a:t>
             </a:fld>
             <a:endParaRPr lang="en-US"/>
           </a:p>
@@ -1949,7 +2127,7 @@
           <a:p>
             <a:fld id="{150F8EDD-49D6-4B51-9C8C-F8CBB5F9579E}" type="datetimeFigureOut">
               <a:rPr lang="en-US" smtClean="0"/>
-              <a:t>7/25/2018</a:t>
+              <a:t>7/26/2018</a:t>
             </a:fld>
             <a:endParaRPr lang="en-US"/>
           </a:p>
@@ -2119,7 +2297,7 @@
           <a:p>
             <a:fld id="{150F8EDD-49D6-4B51-9C8C-F8CBB5F9579E}" type="datetimeFigureOut">
               <a:rPr lang="en-US" smtClean="0"/>
-              <a:t>7/25/2018</a:t>
+              <a:t>7/26/2018</a:t>
             </a:fld>
             <a:endParaRPr lang="en-US"/>
           </a:p>
@@ -2375,7 +2553,7 @@
           <a:p>
             <a:fld id="{150F8EDD-49D6-4B51-9C8C-F8CBB5F9579E}" type="datetimeFigureOut">
               <a:rPr lang="en-US" smtClean="0"/>
-              <a:t>7/25/2018</a:t>
+              <a:t>7/26/2018</a:t>
             </a:fld>
             <a:endParaRPr lang="en-US"/>
           </a:p>
@@ -2663,7 +2841,7 @@
           <a:p>
             <a:fld id="{150F8EDD-49D6-4B51-9C8C-F8CBB5F9579E}" type="datetimeFigureOut">
               <a:rPr lang="en-US" smtClean="0"/>
-              <a:t>7/25/2018</a:t>
+              <a:t>7/26/2018</a:t>
             </a:fld>
             <a:endParaRPr lang="en-US"/>
           </a:p>
@@ -3101,7 +3279,7 @@
           <a:p>
             <a:fld id="{150F8EDD-49D6-4B51-9C8C-F8CBB5F9579E}" type="datetimeFigureOut">
               <a:rPr lang="en-US" smtClean="0"/>
-              <a:t>7/25/2018</a:t>
+              <a:t>7/26/2018</a:t>
             </a:fld>
             <a:endParaRPr lang="en-US"/>
           </a:p>
@@ -3219,7 +3397,7 @@
           <a:p>
             <a:fld id="{150F8EDD-49D6-4B51-9C8C-F8CBB5F9579E}" type="datetimeFigureOut">
               <a:rPr lang="en-US" smtClean="0"/>
-              <a:t>7/25/2018</a:t>
+              <a:t>7/26/2018</a:t>
             </a:fld>
             <a:endParaRPr lang="en-US"/>
           </a:p>
@@ -3314,7 +3492,7 @@
           <a:p>
             <a:fld id="{150F8EDD-49D6-4B51-9C8C-F8CBB5F9579E}" type="datetimeFigureOut">
               <a:rPr lang="en-US" smtClean="0"/>
-              <a:t>7/25/2018</a:t>
+              <a:t>7/26/2018</a:t>
             </a:fld>
             <a:endParaRPr lang="en-US"/>
           </a:p>
@@ -3670,7 +3848,7 @@
           <a:p>
             <a:fld id="{150F8EDD-49D6-4B51-9C8C-F8CBB5F9579E}" type="datetimeFigureOut">
               <a:rPr lang="en-US" smtClean="0"/>
-              <a:t>7/25/2018</a:t>
+              <a:t>7/26/2018</a:t>
             </a:fld>
             <a:endParaRPr lang="en-US"/>
           </a:p>
@@ -3986,7 +4164,7 @@
           <a:p>
             <a:fld id="{150F8EDD-49D6-4B51-9C8C-F8CBB5F9579E}" type="datetimeFigureOut">
               <a:rPr lang="en-US" smtClean="0"/>
-              <a:t>7/25/2018</a:t>
+              <a:t>7/26/2018</a:t>
             </a:fld>
             <a:endParaRPr lang="en-US"/>
           </a:p>
@@ -4219,7 +4397,7 @@
           <a:p>
             <a:fld id="{150F8EDD-49D6-4B51-9C8C-F8CBB5F9579E}" type="datetimeFigureOut">
               <a:rPr lang="en-US" smtClean="0"/>
-              <a:t>7/25/2018</a:t>
+              <a:t>7/26/2018</a:t>
             </a:fld>
             <a:endParaRPr lang="en-US"/>
           </a:p>
@@ -4678,7 +4856,7 @@
           <a:p>
             <a:r>
               <a:rPr lang="en-US" dirty="0"/>
-              <a:t>Some New Material</a:t>
+              <a:t>Intro to Rule-Based Modeling and Other Topics</a:t>
             </a:r>
           </a:p>
         </p:txBody>
@@ -4743,10 +4921,10 @@
       </p:grpSpPr>
       <p:sp>
         <p:nvSpPr>
-          <p:cNvPr id="2" name="Title 1">
+          <p:cNvPr id="4" name="Title 3">
             <a:extLst>
               <a:ext uri="{FF2B5EF4-FFF2-40B4-BE49-F238E27FC236}">
-                <a16:creationId xmlns:a16="http://schemas.microsoft.com/office/drawing/2014/main" id="{9B4F45B0-2EC9-460C-AA5E-BBD97C77F9E5}"/>
+                <a16:creationId xmlns:a16="http://schemas.microsoft.com/office/drawing/2014/main" id="{30043CE4-E3E0-4A93-8DC8-550663357FEC}"/>
               </a:ext>
             </a:extLst>
           </p:cNvPr>
@@ -4764,17 +4942,17 @@
           <a:p>
             <a:r>
               <a:rPr lang="en-US" dirty="0"/>
-              <a:t>Rule-Based Approaches</a:t>
-            </a:r>
-          </a:p>
-        </p:txBody>
-      </p:sp>
-      <p:sp>
-        <p:nvSpPr>
-          <p:cNvPr id="3" name="Subtitle 2">
+              <a:t>Folders</a:t>
+            </a:r>
+          </a:p>
+        </p:txBody>
+      </p:sp>
+      <p:sp>
+        <p:nvSpPr>
+          <p:cNvPr id="5" name="Content Placeholder 4">
             <a:extLst>
               <a:ext uri="{FF2B5EF4-FFF2-40B4-BE49-F238E27FC236}">
-                <a16:creationId xmlns:a16="http://schemas.microsoft.com/office/drawing/2014/main" id="{71D0EB3C-4AAC-42F8-8BFE-7C0F722C1C93}"/>
+                <a16:creationId xmlns:a16="http://schemas.microsoft.com/office/drawing/2014/main" id="{F3D3C89A-CF1D-4699-B402-35CBA5691E51}"/>
               </a:ext>
             </a:extLst>
           </p:cNvPr>
@@ -4782,13 +4960,170 @@
             <a:spLocks noGrp="1"/>
           </p:cNvSpPr>
           <p:nvPr>
-            <p:ph type="body" idx="1"/>
-          </p:nvPr>
-        </p:nvSpPr>
-        <p:spPr/>
-        <p:txBody>
-          <a:bodyPr/>
-          <a:lstStyle/>
+            <p:ph idx="1"/>
+          </p:nvPr>
+        </p:nvSpPr>
+        <p:spPr/>
+        <p:txBody>
+          <a:bodyPr/>
+          <a:lstStyle/>
+          <a:p>
+            <a:r>
+              <a:rPr lang="en-US" dirty="0">
+                <a:latin typeface="Courier New" panose="02070309020205020404" pitchFamily="49" charset="0"/>
+                <a:cs typeface="Courier New" panose="02070309020205020404" pitchFamily="49" charset="0"/>
+              </a:rPr>
+              <a:t>ls</a:t>
+            </a:r>
+          </a:p>
+          <a:p>
+            <a:endParaRPr lang="en-US" dirty="0">
+              <a:latin typeface="Courier New" panose="02070309020205020404" pitchFamily="49" charset="0"/>
+              <a:cs typeface="Courier New" panose="02070309020205020404" pitchFamily="49" charset="0"/>
+            </a:endParaRPr>
+          </a:p>
+          <a:p>
+            <a:r>
+              <a:rPr lang="en-US" dirty="0" err="1">
+                <a:latin typeface="Courier New" panose="02070309020205020404" pitchFamily="49" charset="0"/>
+                <a:cs typeface="Courier New" panose="02070309020205020404" pitchFamily="49" charset="0"/>
+              </a:rPr>
+              <a:t>pwd</a:t>
+            </a:r>
+            <a:endParaRPr lang="en-US" dirty="0">
+              <a:latin typeface="Courier New" panose="02070309020205020404" pitchFamily="49" charset="0"/>
+              <a:cs typeface="Courier New" panose="02070309020205020404" pitchFamily="49" charset="0"/>
+            </a:endParaRPr>
+          </a:p>
+          <a:p>
+            <a:endParaRPr lang="en-US" dirty="0">
+              <a:latin typeface="Courier New" panose="02070309020205020404" pitchFamily="49" charset="0"/>
+              <a:cs typeface="Courier New" panose="02070309020205020404" pitchFamily="49" charset="0"/>
+            </a:endParaRPr>
+          </a:p>
+          <a:p>
+            <a:pPr marL="0" indent="0">
+              <a:buNone/>
+            </a:pPr>
+            <a:r>
+              <a:rPr lang="en-US" dirty="0">
+                <a:latin typeface="Courier New" panose="02070309020205020404" pitchFamily="49" charset="0"/>
+                <a:cs typeface="Courier New" panose="02070309020205020404" pitchFamily="49" charset="0"/>
+              </a:rPr>
+              <a:t> cd [path]</a:t>
+            </a:r>
+          </a:p>
+          <a:p>
+            <a:pPr marL="0" indent="0">
+              <a:buNone/>
+            </a:pPr>
+            <a:r>
+              <a:rPr lang="en-US" dirty="0">
+                <a:latin typeface="Courier New" panose="02070309020205020404" pitchFamily="49" charset="0"/>
+                <a:cs typeface="Courier New" panose="02070309020205020404" pitchFamily="49" charset="0"/>
+              </a:rPr>
+              <a:t>	cd .</a:t>
+            </a:r>
+          </a:p>
+          <a:p>
+            <a:pPr marL="0" indent="0">
+              <a:buNone/>
+            </a:pPr>
+            <a:r>
+              <a:rPr lang="en-US" dirty="0">
+                <a:latin typeface="Courier New" panose="02070309020205020404" pitchFamily="49" charset="0"/>
+                <a:cs typeface="Courier New" panose="02070309020205020404" pitchFamily="49" charset="0"/>
+              </a:rPr>
+              <a:t>	cd ..</a:t>
+            </a:r>
+          </a:p>
+        </p:txBody>
+      </p:sp>
+      <p:sp>
+        <p:nvSpPr>
+          <p:cNvPr id="6" name="Rectangle 5">
+            <a:extLst>
+              <a:ext uri="{FF2B5EF4-FFF2-40B4-BE49-F238E27FC236}">
+                <a16:creationId xmlns:a16="http://schemas.microsoft.com/office/drawing/2014/main" id="{C61FA137-215E-4C33-810A-3EBC9BC9EBAB}"/>
+              </a:ext>
+            </a:extLst>
+          </p:cNvPr>
+          <p:cNvSpPr/>
+          <p:nvPr/>
+        </p:nvSpPr>
+        <p:spPr>
+          <a:xfrm>
+            <a:off x="657224" y="5989135"/>
+            <a:ext cx="5441939" cy="369332"/>
+          </a:xfrm>
+          <a:prstGeom prst="rect">
+            <a:avLst/>
+          </a:prstGeom>
+        </p:spPr>
+        <p:txBody>
+          <a:bodyPr wrap="none">
+            <a:spAutoFit/>
+          </a:bodyPr>
+          <a:lstStyle/>
+          <a:p>
+            <a:r>
+              <a:rPr lang="en-US" dirty="0"/>
+              <a:t>Cheat sheet: https://gist.github.com/poopsplat/7195274</a:t>
+            </a:r>
+          </a:p>
+        </p:txBody>
+      </p:sp>
+      <p:sp>
+        <p:nvSpPr>
+          <p:cNvPr id="2" name="TextBox 1">
+            <a:extLst>
+              <a:ext uri="{FF2B5EF4-FFF2-40B4-BE49-F238E27FC236}">
+                <a16:creationId xmlns:a16="http://schemas.microsoft.com/office/drawing/2014/main" id="{F862A1D9-2C4E-4117-B2C3-FD480F9E4C10}"/>
+              </a:ext>
+            </a:extLst>
+          </p:cNvPr>
+          <p:cNvSpPr txBox="1"/>
+          <p:nvPr/>
+        </p:nvSpPr>
+        <p:spPr>
+          <a:xfrm>
+            <a:off x="5292969" y="2092569"/>
+            <a:ext cx="3611117" cy="1538883"/>
+          </a:xfrm>
+          <a:prstGeom prst="rect">
+            <a:avLst/>
+          </a:prstGeom>
+          <a:noFill/>
+        </p:spPr>
+        <p:txBody>
+          <a:bodyPr wrap="none" rtlCol="0">
+            <a:spAutoFit/>
+          </a:bodyPr>
+          <a:lstStyle/>
+          <a:p>
+            <a:r>
+              <a:rPr lang="en-US" sz="3600" dirty="0"/>
+              <a:t>Now let’s practice:</a:t>
+            </a:r>
+          </a:p>
+          <a:p>
+            <a:pPr marL="457200" indent="-457200">
+              <a:buAutoNum type="arabicPeriod"/>
+            </a:pPr>
+            <a:r>
+              <a:rPr lang="en-US" sz="2000" dirty="0"/>
+              <a:t>Open terminal</a:t>
+            </a:r>
+          </a:p>
+          <a:p>
+            <a:pPr marL="457200" indent="-457200">
+              <a:buAutoNum type="arabicPeriod"/>
+            </a:pPr>
+            <a:r>
+              <a:rPr lang="en-US" sz="2000" dirty="0"/>
+              <a:t>Type cd ~</a:t>
+            </a:r>
+          </a:p>
           <a:p>
             <a:endParaRPr lang="en-US" dirty="0"/>
           </a:p>
@@ -4797,7 +5132,7 @@
     </p:spTree>
     <p:extLst>
       <p:ext uri="{BB962C8B-B14F-4D97-AF65-F5344CB8AC3E}">
-        <p14:creationId xmlns:p14="http://schemas.microsoft.com/office/powerpoint/2010/main" val="809461670"/>
+        <p14:creationId xmlns:p14="http://schemas.microsoft.com/office/powerpoint/2010/main" val="2060286828"/>
       </p:ext>
     </p:extLst>
   </p:cSld>
@@ -4829,7 +5164,7 @@
           <p:cNvPr id="2" name="Title 1">
             <a:extLst>
               <a:ext uri="{FF2B5EF4-FFF2-40B4-BE49-F238E27FC236}">
-                <a16:creationId xmlns:a16="http://schemas.microsoft.com/office/drawing/2014/main" id="{C156ACD5-73BA-46E6-859D-4A390515DD4E}"/>
+                <a16:creationId xmlns:a16="http://schemas.microsoft.com/office/drawing/2014/main" id="{9B4F45B0-2EC9-460C-AA5E-BBD97C77F9E5}"/>
               </a:ext>
             </a:extLst>
           </p:cNvPr>
@@ -4847,17 +5182,17 @@
           <a:p>
             <a:r>
               <a:rPr lang="en-US" dirty="0"/>
-              <a:t>What is classification?</a:t>
-            </a:r>
-          </a:p>
-        </p:txBody>
-      </p:sp>
-      <p:sp>
-        <p:nvSpPr>
-          <p:cNvPr id="3" name="Content Placeholder 2">
+              <a:t>Review of Python and Pandas</a:t>
+            </a:r>
+          </a:p>
+        </p:txBody>
+      </p:sp>
+      <p:sp>
+        <p:nvSpPr>
+          <p:cNvPr id="3" name="Subtitle 2">
             <a:extLst>
               <a:ext uri="{FF2B5EF4-FFF2-40B4-BE49-F238E27FC236}">
-                <a16:creationId xmlns:a16="http://schemas.microsoft.com/office/drawing/2014/main" id="{426C6886-3264-44EF-8F64-393048D0CD3D}"/>
+                <a16:creationId xmlns:a16="http://schemas.microsoft.com/office/drawing/2014/main" id="{71D0EB3C-4AAC-42F8-8BFE-7C0F722C1C93}"/>
               </a:ext>
             </a:extLst>
           </p:cNvPr>
@@ -4865,7 +5200,7 @@
             <a:spLocks noGrp="1"/>
           </p:cNvSpPr>
           <p:nvPr>
-            <p:ph idx="1"/>
+            <p:ph type="body" idx="1"/>
           </p:nvPr>
         </p:nvSpPr>
         <p:spPr/>
@@ -4875,30 +5210,15 @@
           <a:p>
             <a:r>
               <a:rPr lang="en-US" dirty="0"/>
-              <a:t>“Spam” vs “Ham”</a:t>
-            </a:r>
-          </a:p>
-          <a:p>
-            <a:r>
-              <a:rPr lang="en-US" dirty="0"/>
-              <a:t>“Tumor” vs “No tumor”</a:t>
-            </a:r>
-          </a:p>
-          <a:p>
-            <a:r>
-              <a:rPr lang="en-US" dirty="0"/>
-              <a:t>“Positive” vs “Negative”</a:t>
-            </a:r>
-          </a:p>
-          <a:p>
-            <a:endParaRPr lang="en-US" dirty="0"/>
+              <a:t>Princeton AI4ALL: NLP Group</a:t>
+            </a:r>
           </a:p>
         </p:txBody>
       </p:sp>
     </p:spTree>
     <p:extLst>
       <p:ext uri="{BB962C8B-B14F-4D97-AF65-F5344CB8AC3E}">
-        <p14:creationId xmlns:p14="http://schemas.microsoft.com/office/powerpoint/2010/main" val="2823394236"/>
+        <p14:creationId xmlns:p14="http://schemas.microsoft.com/office/powerpoint/2010/main" val="754661235"/>
       </p:ext>
     </p:extLst>
   </p:cSld>
@@ -4930,7 +5250,7 @@
           <p:cNvPr id="4" name="Title 3">
             <a:extLst>
               <a:ext uri="{FF2B5EF4-FFF2-40B4-BE49-F238E27FC236}">
-                <a16:creationId xmlns:a16="http://schemas.microsoft.com/office/drawing/2014/main" id="{BFAC63E5-DDCD-44C4-852A-D2DA0AAAD4A2}"/>
+                <a16:creationId xmlns:a16="http://schemas.microsoft.com/office/drawing/2014/main" id="{30043CE4-E3E0-4A93-8DC8-550663357FEC}"/>
               </a:ext>
             </a:extLst>
           </p:cNvPr>
@@ -4941,14 +5261,45 @@
             <p:ph type="title"/>
           </p:nvPr>
         </p:nvSpPr>
-        <p:spPr/>
-        <p:txBody>
-          <a:bodyPr/>
-          <a:lstStyle/>
-          <a:p>
-            <a:r>
+        <p:spPr>
+          <a:xfrm>
+            <a:off x="657224" y="499533"/>
+            <a:ext cx="10772775" cy="5707836"/>
+          </a:xfrm>
+        </p:spPr>
+        <p:txBody>
+          <a:bodyPr>
+            <a:normAutofit/>
+          </a:bodyPr>
+          <a:lstStyle/>
+          <a:p>
+            <a:br>
               <a:rPr lang="en-US" dirty="0"/>
-              <a:t>Constructing rule-based approaches</a:t>
+            </a:br>
+            <a:r>
+              <a:rPr lang="en-US" dirty="0"/>
+              <a:t>Parameters + Functions</a:t>
+            </a:r>
+            <a:br>
+              <a:rPr lang="en-US" dirty="0"/>
+            </a:br>
+            <a:r>
+              <a:rPr lang="en-US" dirty="0" err="1"/>
+              <a:t>Dataframes</a:t>
+            </a:r>
+            <a:br>
+              <a:rPr lang="en-US" dirty="0"/>
+            </a:br>
+            <a:r>
+              <a:rPr lang="en-US" dirty="0"/>
+              <a:t>Documentation</a:t>
+            </a:r>
+            <a:br>
+              <a:rPr lang="en-US" dirty="0"/>
+            </a:br>
+            <a:r>
+              <a:rPr lang="en-US" dirty="0"/>
+              <a:t>Errors</a:t>
             </a:r>
           </a:p>
         </p:txBody>
@@ -4956,7 +5307,7 @@
     </p:spTree>
     <p:extLst>
       <p:ext uri="{BB962C8B-B14F-4D97-AF65-F5344CB8AC3E}">
-        <p14:creationId xmlns:p14="http://schemas.microsoft.com/office/powerpoint/2010/main" val="2470974870"/>
+        <p14:creationId xmlns:p14="http://schemas.microsoft.com/office/powerpoint/2010/main" val="2491833496"/>
       </p:ext>
     </p:extLst>
   </p:cSld>
@@ -4988,7 +5339,7 @@
           <p:cNvPr id="2" name="Title 1">
             <a:extLst>
               <a:ext uri="{FF2B5EF4-FFF2-40B4-BE49-F238E27FC236}">
-                <a16:creationId xmlns:a16="http://schemas.microsoft.com/office/drawing/2014/main" id="{E233BDFC-B1FD-41EE-96E4-75F31F9433CE}"/>
+                <a16:creationId xmlns:a16="http://schemas.microsoft.com/office/drawing/2014/main" id="{9B4F45B0-2EC9-460C-AA5E-BBD97C77F9E5}"/>
               </a:ext>
             </a:extLst>
           </p:cNvPr>
@@ -5006,161 +5357,40 @@
           <a:p>
             <a:r>
               <a:rPr lang="en-US" dirty="0"/>
-              <a:t>How would you classify these as a person?</a:t>
-            </a:r>
-          </a:p>
-        </p:txBody>
-      </p:sp>
-      <p:sp>
-        <p:nvSpPr>
-          <p:cNvPr id="4" name="Rectangle 3">
+              <a:t>Rule-Based Approaches</a:t>
+            </a:r>
+          </a:p>
+        </p:txBody>
+      </p:sp>
+      <p:sp>
+        <p:nvSpPr>
+          <p:cNvPr id="3" name="Subtitle 2">
             <a:extLst>
               <a:ext uri="{FF2B5EF4-FFF2-40B4-BE49-F238E27FC236}">
-                <a16:creationId xmlns:a16="http://schemas.microsoft.com/office/drawing/2014/main" id="{D9AF9EA9-D790-40AF-A93E-F155C0142819}"/>
+                <a16:creationId xmlns:a16="http://schemas.microsoft.com/office/drawing/2014/main" id="{71D0EB3C-4AAC-42F8-8BFE-7C0F722C1C93}"/>
               </a:ext>
             </a:extLst>
           </p:cNvPr>
-          <p:cNvSpPr/>
-          <p:nvPr/>
-        </p:nvSpPr>
-        <p:spPr>
-          <a:xfrm>
-            <a:off x="1755531" y="2562889"/>
-            <a:ext cx="3212123" cy="2677656"/>
-          </a:xfrm>
-          <a:prstGeom prst="rect">
-            <a:avLst/>
-          </a:prstGeom>
-        </p:spPr>
-        <p:txBody>
-          <a:bodyPr wrap="square">
-            <a:spAutoFit/>
-          </a:bodyPr>
-          <a:lstStyle/>
-          <a:p>
-            <a:r>
-              <a:rPr lang="en-US" sz="2400" b="0" i="0" dirty="0">
-                <a:effectLst/>
-                <a:latin typeface="Arial Narrow" panose="020B0606020202030204" pitchFamily="34" charset="0"/>
-              </a:rPr>
-              <a:t>SIX chances to win CASH! From 100 to 20,000 pounds txt&gt; CSH11 and send to 87575. Cost 150p/day, 6days, 16+ </a:t>
-            </a:r>
-            <a:r>
-              <a:rPr lang="en-US" sz="2400" b="0" i="0" dirty="0" err="1">
-                <a:effectLst/>
-                <a:latin typeface="Arial Narrow" panose="020B0606020202030204" pitchFamily="34" charset="0"/>
-              </a:rPr>
-              <a:t>TsandCs</a:t>
-            </a:r>
-            <a:r>
-              <a:rPr lang="en-US" sz="2400" b="0" i="0" dirty="0">
-                <a:effectLst/>
-                <a:latin typeface="Arial Narrow" panose="020B0606020202030204" pitchFamily="34" charset="0"/>
-              </a:rPr>
-              <a:t> apply Reply HL 4 info</a:t>
-            </a:r>
-            <a:endParaRPr lang="en-US" sz="2400" dirty="0">
-              <a:latin typeface="Arial Narrow" panose="020B0606020202030204" pitchFamily="34" charset="0"/>
-            </a:endParaRPr>
-          </a:p>
-        </p:txBody>
-      </p:sp>
-      <p:sp>
-        <p:nvSpPr>
-          <p:cNvPr id="5" name="Rectangle 4">
-            <a:extLst>
-              <a:ext uri="{FF2B5EF4-FFF2-40B4-BE49-F238E27FC236}">
-                <a16:creationId xmlns:a16="http://schemas.microsoft.com/office/drawing/2014/main" id="{8E0A2277-441A-4B27-AB94-CD8389581D20}"/>
-              </a:ext>
-            </a:extLst>
-          </p:cNvPr>
-          <p:cNvSpPr/>
-          <p:nvPr/>
-        </p:nvSpPr>
-        <p:spPr>
-          <a:xfrm>
-            <a:off x="6679223" y="2655222"/>
-            <a:ext cx="3757246" cy="2492990"/>
-          </a:xfrm>
-          <a:prstGeom prst="rect">
-            <a:avLst/>
-          </a:prstGeom>
-        </p:spPr>
-        <p:txBody>
-          <a:bodyPr wrap="square">
-            <a:spAutoFit/>
-          </a:bodyPr>
-          <a:lstStyle/>
-          <a:p>
-            <a:pPr fontAlgn="base"/>
-            <a:r>
-              <a:rPr lang="en-US" sz="2400" b="0" i="0" dirty="0">
-                <a:effectLst/>
-                <a:latin typeface="Arial Narrow" panose="020B0606020202030204" pitchFamily="34" charset="0"/>
-              </a:rPr>
-              <a:t>Just forced myself to eat a slice. I'm really not hungry </a:t>
-            </a:r>
-            <a:r>
-              <a:rPr lang="en-US" sz="2400" b="0" i="0" dirty="0" err="1">
-                <a:effectLst/>
-                <a:latin typeface="Arial Narrow" panose="020B0606020202030204" pitchFamily="34" charset="0"/>
-              </a:rPr>
-              <a:t>tho</a:t>
-            </a:r>
-            <a:r>
-              <a:rPr lang="en-US" sz="2400" b="0" i="0" dirty="0">
-                <a:effectLst/>
-                <a:latin typeface="Arial Narrow" panose="020B0606020202030204" pitchFamily="34" charset="0"/>
-              </a:rPr>
-              <a:t>. This sucks. Mark is getting worried. He knows I'm sick when I turn down pizza. Lol</a:t>
-            </a:r>
-          </a:p>
-          <a:p>
-            <a:br>
-              <a:rPr lang="en-US" dirty="0"/>
-            </a:br>
+          <p:cNvSpPr>
+            <a:spLocks noGrp="1"/>
+          </p:cNvSpPr>
+          <p:nvPr>
+            <p:ph type="body" idx="1"/>
+          </p:nvPr>
+        </p:nvSpPr>
+        <p:spPr/>
+        <p:txBody>
+          <a:bodyPr/>
+          <a:lstStyle/>
+          <a:p>
             <a:endParaRPr lang="en-US" dirty="0"/>
-          </a:p>
-        </p:txBody>
-      </p:sp>
-      <p:sp>
-        <p:nvSpPr>
-          <p:cNvPr id="6" name="Rectangle 5">
-            <a:extLst>
-              <a:ext uri="{FF2B5EF4-FFF2-40B4-BE49-F238E27FC236}">
-                <a16:creationId xmlns:a16="http://schemas.microsoft.com/office/drawing/2014/main" id="{52A0CEA7-307C-455A-8471-E6A2B10CE29C}"/>
-              </a:ext>
-            </a:extLst>
-          </p:cNvPr>
-          <p:cNvSpPr/>
-          <p:nvPr/>
-        </p:nvSpPr>
-        <p:spPr>
-          <a:xfrm>
-            <a:off x="0" y="6308209"/>
-            <a:ext cx="5824223" cy="369332"/>
-          </a:xfrm>
-          <a:prstGeom prst="rect">
-            <a:avLst/>
-          </a:prstGeom>
-        </p:spPr>
-        <p:txBody>
-          <a:bodyPr wrap="none">
-            <a:spAutoFit/>
-          </a:bodyPr>
-          <a:lstStyle/>
-          <a:p>
-            <a:r>
-              <a:rPr lang="en-US" dirty="0"/>
-              <a:t>https://www.kaggle.com/benvozza/spam-classification/data</a:t>
-            </a:r>
           </a:p>
         </p:txBody>
       </p:sp>
     </p:spTree>
     <p:extLst>
       <p:ext uri="{BB962C8B-B14F-4D97-AF65-F5344CB8AC3E}">
-        <p14:creationId xmlns:p14="http://schemas.microsoft.com/office/powerpoint/2010/main" val="3975535263"/>
+        <p14:creationId xmlns:p14="http://schemas.microsoft.com/office/powerpoint/2010/main" val="809461670"/>
       </p:ext>
     </p:extLst>
   </p:cSld>
@@ -5192,7 +5422,7 @@
           <p:cNvPr id="2" name="Title 1">
             <a:extLst>
               <a:ext uri="{FF2B5EF4-FFF2-40B4-BE49-F238E27FC236}">
-                <a16:creationId xmlns:a16="http://schemas.microsoft.com/office/drawing/2014/main" id="{E233BDFC-B1FD-41EE-96E4-75F31F9433CE}"/>
+                <a16:creationId xmlns:a16="http://schemas.microsoft.com/office/drawing/2014/main" id="{C156ACD5-73BA-46E6-859D-4A390515DD4E}"/>
               </a:ext>
             </a:extLst>
           </p:cNvPr>
@@ -5210,161 +5440,58 @@
           <a:p>
             <a:r>
               <a:rPr lang="en-US" dirty="0"/>
-              <a:t>How might you write a classifier to do this classification automatically?</a:t>
-            </a:r>
-          </a:p>
-        </p:txBody>
-      </p:sp>
-      <p:sp>
-        <p:nvSpPr>
-          <p:cNvPr id="4" name="Rectangle 3">
+              <a:t>What is classification?</a:t>
+            </a:r>
+          </a:p>
+        </p:txBody>
+      </p:sp>
+      <p:sp>
+        <p:nvSpPr>
+          <p:cNvPr id="3" name="Content Placeholder 2">
             <a:extLst>
               <a:ext uri="{FF2B5EF4-FFF2-40B4-BE49-F238E27FC236}">
-                <a16:creationId xmlns:a16="http://schemas.microsoft.com/office/drawing/2014/main" id="{D9AF9EA9-D790-40AF-A93E-F155C0142819}"/>
+                <a16:creationId xmlns:a16="http://schemas.microsoft.com/office/drawing/2014/main" id="{426C6886-3264-44EF-8F64-393048D0CD3D}"/>
               </a:ext>
             </a:extLst>
           </p:cNvPr>
-          <p:cNvSpPr/>
-          <p:nvPr/>
-        </p:nvSpPr>
-        <p:spPr>
-          <a:xfrm>
-            <a:off x="1755531" y="2562889"/>
-            <a:ext cx="3212123" cy="2677656"/>
-          </a:xfrm>
-          <a:prstGeom prst="rect">
-            <a:avLst/>
-          </a:prstGeom>
-        </p:spPr>
-        <p:txBody>
-          <a:bodyPr wrap="square">
-            <a:spAutoFit/>
-          </a:bodyPr>
-          <a:lstStyle/>
-          <a:p>
-            <a:r>
-              <a:rPr lang="en-US" sz="2400" b="0" i="0" dirty="0">
-                <a:effectLst/>
-                <a:latin typeface="Arial Narrow" panose="020B0606020202030204" pitchFamily="34" charset="0"/>
-              </a:rPr>
-              <a:t>SIX chances to win CASH! From 100 to 20,000 pounds txt&gt; CSH11 and send to 87575. Cost 150p/day, 6days, 16+ </a:t>
-            </a:r>
-            <a:r>
-              <a:rPr lang="en-US" sz="2400" b="0" i="0" dirty="0" err="1">
-                <a:effectLst/>
-                <a:latin typeface="Arial Narrow" panose="020B0606020202030204" pitchFamily="34" charset="0"/>
-              </a:rPr>
-              <a:t>TsandCs</a:t>
-            </a:r>
-            <a:r>
-              <a:rPr lang="en-US" sz="2400" b="0" i="0" dirty="0">
-                <a:effectLst/>
-                <a:latin typeface="Arial Narrow" panose="020B0606020202030204" pitchFamily="34" charset="0"/>
-              </a:rPr>
-              <a:t> apply Reply HL 4 info</a:t>
-            </a:r>
-            <a:endParaRPr lang="en-US" sz="2400" dirty="0">
-              <a:latin typeface="Arial Narrow" panose="020B0606020202030204" pitchFamily="34" charset="0"/>
-            </a:endParaRPr>
-          </a:p>
-        </p:txBody>
-      </p:sp>
-      <p:sp>
-        <p:nvSpPr>
-          <p:cNvPr id="5" name="Rectangle 4">
-            <a:extLst>
-              <a:ext uri="{FF2B5EF4-FFF2-40B4-BE49-F238E27FC236}">
-                <a16:creationId xmlns:a16="http://schemas.microsoft.com/office/drawing/2014/main" id="{8E0A2277-441A-4B27-AB94-CD8389581D20}"/>
-              </a:ext>
-            </a:extLst>
-          </p:cNvPr>
-          <p:cNvSpPr/>
-          <p:nvPr/>
-        </p:nvSpPr>
-        <p:spPr>
-          <a:xfrm>
-            <a:off x="6679223" y="2655222"/>
-            <a:ext cx="3757246" cy="2492990"/>
-          </a:xfrm>
-          <a:prstGeom prst="rect">
-            <a:avLst/>
-          </a:prstGeom>
-        </p:spPr>
-        <p:txBody>
-          <a:bodyPr wrap="square">
-            <a:spAutoFit/>
-          </a:bodyPr>
-          <a:lstStyle/>
-          <a:p>
-            <a:pPr fontAlgn="base"/>
-            <a:r>
-              <a:rPr lang="en-US" sz="2400" b="0" i="0" dirty="0">
-                <a:effectLst/>
-                <a:latin typeface="Arial Narrow" panose="020B0606020202030204" pitchFamily="34" charset="0"/>
-              </a:rPr>
-              <a:t>Just forced myself to eat a slice. I'm really not hungry </a:t>
-            </a:r>
-            <a:r>
-              <a:rPr lang="en-US" sz="2400" b="0" i="0" dirty="0" err="1">
-                <a:effectLst/>
-                <a:latin typeface="Arial Narrow" panose="020B0606020202030204" pitchFamily="34" charset="0"/>
-              </a:rPr>
-              <a:t>tho</a:t>
-            </a:r>
-            <a:r>
-              <a:rPr lang="en-US" sz="2400" b="0" i="0" dirty="0">
-                <a:effectLst/>
-                <a:latin typeface="Arial Narrow" panose="020B0606020202030204" pitchFamily="34" charset="0"/>
-              </a:rPr>
-              <a:t>. This sucks. Mark is getting worried. He knows I'm sick when I turn down pizza. Lol</a:t>
-            </a:r>
-          </a:p>
-          <a:p>
-            <a:br>
+          <p:cNvSpPr>
+            <a:spLocks noGrp="1"/>
+          </p:cNvSpPr>
+          <p:nvPr>
+            <p:ph idx="1"/>
+          </p:nvPr>
+        </p:nvSpPr>
+        <p:spPr/>
+        <p:txBody>
+          <a:bodyPr/>
+          <a:lstStyle/>
+          <a:p>
+            <a:r>
               <a:rPr lang="en-US" dirty="0"/>
-            </a:br>
+              <a:t>“Spam” vs “Ham”</a:t>
+            </a:r>
+          </a:p>
+          <a:p>
+            <a:r>
+              <a:rPr lang="en-US" dirty="0"/>
+              <a:t>“Tumor” vs “No tumor”</a:t>
+            </a:r>
+          </a:p>
+          <a:p>
+            <a:r>
+              <a:rPr lang="en-US" dirty="0"/>
+              <a:t>“Positive” vs “Negative”</a:t>
+            </a:r>
+          </a:p>
+          <a:p>
             <a:endParaRPr lang="en-US" dirty="0"/>
-          </a:p>
-        </p:txBody>
-      </p:sp>
-      <p:sp>
-        <p:nvSpPr>
-          <p:cNvPr id="6" name="Rectangle 5">
-            <a:extLst>
-              <a:ext uri="{FF2B5EF4-FFF2-40B4-BE49-F238E27FC236}">
-                <a16:creationId xmlns:a16="http://schemas.microsoft.com/office/drawing/2014/main" id="{52A0CEA7-307C-455A-8471-E6A2B10CE29C}"/>
-              </a:ext>
-            </a:extLst>
-          </p:cNvPr>
-          <p:cNvSpPr/>
-          <p:nvPr/>
-        </p:nvSpPr>
-        <p:spPr>
-          <a:xfrm>
-            <a:off x="0" y="6308209"/>
-            <a:ext cx="5824223" cy="369332"/>
-          </a:xfrm>
-          <a:prstGeom prst="rect">
-            <a:avLst/>
-          </a:prstGeom>
-        </p:spPr>
-        <p:txBody>
-          <a:bodyPr wrap="none">
-            <a:spAutoFit/>
-          </a:bodyPr>
-          <a:lstStyle/>
-          <a:p>
-            <a:r>
-              <a:rPr lang="en-US" dirty="0"/>
-              <a:t>https://www.kaggle.com/benvozza/spam-classification/data</a:t>
-            </a:r>
           </a:p>
         </p:txBody>
       </p:sp>
     </p:spTree>
     <p:extLst>
       <p:ext uri="{BB962C8B-B14F-4D97-AF65-F5344CB8AC3E}">
-        <p14:creationId xmlns:p14="http://schemas.microsoft.com/office/powerpoint/2010/main" val="1509600873"/>
+        <p14:creationId xmlns:p14="http://schemas.microsoft.com/office/powerpoint/2010/main" val="2823394236"/>
       </p:ext>
     </p:extLst>
   </p:cSld>
@@ -5393,10 +5520,10 @@
       </p:grpSpPr>
       <p:sp>
         <p:nvSpPr>
-          <p:cNvPr id="2" name="Title 1">
+          <p:cNvPr id="4" name="Title 3">
             <a:extLst>
               <a:ext uri="{FF2B5EF4-FFF2-40B4-BE49-F238E27FC236}">
-                <a16:creationId xmlns:a16="http://schemas.microsoft.com/office/drawing/2014/main" id="{D0F2D0D4-5300-45E4-99D3-2BC5CC3876AC}"/>
+                <a16:creationId xmlns:a16="http://schemas.microsoft.com/office/drawing/2014/main" id="{BFAC63E5-DDCD-44C4-852A-D2DA0AAAD4A2}"/>
               </a:ext>
             </a:extLst>
           </p:cNvPr>
@@ -5414,109 +5541,7 @@
           <a:p>
             <a:r>
               <a:rPr lang="en-US" dirty="0"/>
-              <a:t>How might you write a classifier to do this classification automatically?</a:t>
-            </a:r>
-          </a:p>
-        </p:txBody>
-      </p:sp>
-      <p:sp>
-        <p:nvSpPr>
-          <p:cNvPr id="3" name="Content Placeholder 2">
-            <a:extLst>
-              <a:ext uri="{FF2B5EF4-FFF2-40B4-BE49-F238E27FC236}">
-                <a16:creationId xmlns:a16="http://schemas.microsoft.com/office/drawing/2014/main" id="{DB42368F-45E3-4DF7-BA36-475860048254}"/>
-              </a:ext>
-            </a:extLst>
-          </p:cNvPr>
-          <p:cNvSpPr>
-            <a:spLocks noGrp="1"/>
-          </p:cNvSpPr>
-          <p:nvPr>
-            <p:ph idx="1"/>
-          </p:nvPr>
-        </p:nvSpPr>
-        <p:spPr/>
-        <p:txBody>
-          <a:bodyPr/>
-          <a:lstStyle/>
-          <a:p>
-            <a:pPr marL="0" indent="0">
-              <a:buNone/>
-            </a:pPr>
-            <a:r>
-              <a:rPr lang="en-US" dirty="0" err="1">
-                <a:latin typeface="Courier New" panose="02070309020205020404" pitchFamily="49" charset="0"/>
-                <a:cs typeface="Courier New" panose="02070309020205020404" pitchFamily="49" charset="0"/>
-              </a:rPr>
-              <a:t>spam_words</a:t>
-            </a:r>
-            <a:r>
-              <a:rPr lang="en-US" dirty="0">
-                <a:latin typeface="Courier New" panose="02070309020205020404" pitchFamily="49" charset="0"/>
-                <a:cs typeface="Courier New" panose="02070309020205020404" pitchFamily="49" charset="0"/>
-              </a:rPr>
-              <a:t> = </a:t>
-            </a:r>
-          </a:p>
-          <a:p>
-            <a:pPr marL="0" indent="0">
-              <a:buNone/>
-            </a:pPr>
-            <a:r>
-              <a:rPr lang="en-US" dirty="0" err="1">
-                <a:latin typeface="Courier New" panose="02070309020205020404" pitchFamily="49" charset="0"/>
-                <a:cs typeface="Courier New" panose="02070309020205020404" pitchFamily="49" charset="0"/>
-              </a:rPr>
-              <a:t>nonspam_words</a:t>
-            </a:r>
-            <a:r>
-              <a:rPr lang="en-US" dirty="0">
-                <a:latin typeface="Courier New" panose="02070309020205020404" pitchFamily="49" charset="0"/>
-                <a:cs typeface="Courier New" panose="02070309020205020404" pitchFamily="49" charset="0"/>
-              </a:rPr>
-              <a:t> = </a:t>
-            </a:r>
-          </a:p>
-          <a:p>
-            <a:pPr marL="0" indent="0">
-              <a:buNone/>
-            </a:pPr>
-            <a:r>
-              <a:rPr lang="en-US" dirty="0">
-                <a:latin typeface="Courier New" panose="02070309020205020404" pitchFamily="49" charset="0"/>
-                <a:cs typeface="Courier New" panose="02070309020205020404" pitchFamily="49" charset="0"/>
-              </a:rPr>
-              <a:t>if _________________:</a:t>
-            </a:r>
-          </a:p>
-          <a:p>
-            <a:pPr marL="0" indent="0">
-              <a:buNone/>
-            </a:pPr>
-            <a:endParaRPr lang="en-US" dirty="0">
-              <a:latin typeface="Courier New" panose="02070309020205020404" pitchFamily="49" charset="0"/>
-              <a:cs typeface="Courier New" panose="02070309020205020404" pitchFamily="49" charset="0"/>
-            </a:endParaRPr>
-          </a:p>
-          <a:p>
-            <a:pPr marL="0" indent="0">
-              <a:buNone/>
-            </a:pPr>
-            <a:endParaRPr lang="en-US" dirty="0">
-              <a:latin typeface="Courier New" panose="02070309020205020404" pitchFamily="49" charset="0"/>
-              <a:cs typeface="Courier New" panose="02070309020205020404" pitchFamily="49" charset="0"/>
-            </a:endParaRPr>
-          </a:p>
-          <a:p>
-            <a:pPr marL="0" indent="0">
-              <a:buNone/>
-            </a:pPr>
-            <a:r>
-              <a:rPr lang="en-US" dirty="0">
-                <a:latin typeface="Courier New" panose="02070309020205020404" pitchFamily="49" charset="0"/>
-                <a:cs typeface="Courier New" panose="02070309020205020404" pitchFamily="49" charset="0"/>
-              </a:rPr>
-              <a:t>else:</a:t>
+              <a:t>Constructing rule-based approaches</a:t>
             </a:r>
           </a:p>
         </p:txBody>
@@ -5524,7 +5549,7 @@
     </p:spTree>
     <p:extLst>
       <p:ext uri="{BB962C8B-B14F-4D97-AF65-F5344CB8AC3E}">
-        <p14:creationId xmlns:p14="http://schemas.microsoft.com/office/powerpoint/2010/main" val="2703133447"/>
+        <p14:creationId xmlns:p14="http://schemas.microsoft.com/office/powerpoint/2010/main" val="2470974870"/>
       </p:ext>
     </p:extLst>
   </p:cSld>
@@ -5556,7 +5581,7 @@
           <p:cNvPr id="2" name="Title 1">
             <a:extLst>
               <a:ext uri="{FF2B5EF4-FFF2-40B4-BE49-F238E27FC236}">
-                <a16:creationId xmlns:a16="http://schemas.microsoft.com/office/drawing/2014/main" id="{53371981-BC8E-42AA-96B5-BCD9C8BD0963}"/>
+                <a16:creationId xmlns:a16="http://schemas.microsoft.com/office/drawing/2014/main" id="{E233BDFC-B1FD-41EE-96E4-75F31F9433CE}"/>
               </a:ext>
             </a:extLst>
           </p:cNvPr>
@@ -5574,7 +5599,7 @@
           <a:p>
             <a:r>
               <a:rPr lang="en-US" dirty="0"/>
-              <a:t>What about this example?</a:t>
+              <a:t>How would you classify these as a person?</a:t>
             </a:r>
           </a:p>
         </p:txBody>
@@ -5584,7 +5609,7 @@
           <p:cNvPr id="4" name="Rectangle 3">
             <a:extLst>
               <a:ext uri="{FF2B5EF4-FFF2-40B4-BE49-F238E27FC236}">
-                <a16:creationId xmlns:a16="http://schemas.microsoft.com/office/drawing/2014/main" id="{137D189B-2C65-418D-98CA-787E37DB7E52}"/>
+                <a16:creationId xmlns:a16="http://schemas.microsoft.com/office/drawing/2014/main" id="{D9AF9EA9-D790-40AF-A93E-F155C0142819}"/>
               </a:ext>
             </a:extLst>
           </p:cNvPr>
@@ -5593,8 +5618,8 @@
         </p:nvSpPr>
         <p:spPr>
           <a:xfrm>
-            <a:off x="0" y="6402951"/>
-            <a:ext cx="8757138" cy="369332"/>
+            <a:off x="1755531" y="2562889"/>
+            <a:ext cx="3212123" cy="2677656"/>
           </a:xfrm>
           <a:prstGeom prst="rect">
             <a:avLst/>
@@ -5607,18 +5632,38 @@
           <a:lstStyle/>
           <a:p>
             <a:r>
-              <a:rPr lang="en-US" dirty="0"/>
-              <a:t>https://github.com/abisee/sailors2017/blob/master/data/labeled-data-singlelabels-test.csv</a:t>
-            </a:r>
-          </a:p>
-        </p:txBody>
-      </p:sp>
-      <p:sp>
-        <p:nvSpPr>
-          <p:cNvPr id="10" name="Rectangle 9">
+              <a:rPr lang="en-US" sz="2400" b="0" i="0" dirty="0">
+                <a:effectLst/>
+                <a:latin typeface="Arial Narrow" panose="020B0606020202030204" pitchFamily="34" charset="0"/>
+              </a:rPr>
+              <a:t>SIX chances to win CASH! From 100 to 20,000 pounds txt&gt; CSH11 and send to 87575. Cost 150p/day, 6days, 16+ </a:t>
+            </a:r>
+            <a:r>
+              <a:rPr lang="en-US" sz="2400" b="0" i="0" dirty="0" err="1">
+                <a:effectLst/>
+                <a:latin typeface="Arial Narrow" panose="020B0606020202030204" pitchFamily="34" charset="0"/>
+              </a:rPr>
+              <a:t>TsandCs</a:t>
+            </a:r>
+            <a:r>
+              <a:rPr lang="en-US" sz="2400" b="0" i="0" dirty="0">
+                <a:effectLst/>
+                <a:latin typeface="Arial Narrow" panose="020B0606020202030204" pitchFamily="34" charset="0"/>
+              </a:rPr>
+              <a:t> apply Reply HL 4 info</a:t>
+            </a:r>
+            <a:endParaRPr lang="en-US" sz="2400" dirty="0">
+              <a:latin typeface="Arial Narrow" panose="020B0606020202030204" pitchFamily="34" charset="0"/>
+            </a:endParaRPr>
+          </a:p>
+        </p:txBody>
+      </p:sp>
+      <p:sp>
+        <p:nvSpPr>
+          <p:cNvPr id="5" name="Rectangle 4">
             <a:extLst>
               <a:ext uri="{FF2B5EF4-FFF2-40B4-BE49-F238E27FC236}">
-                <a16:creationId xmlns:a16="http://schemas.microsoft.com/office/drawing/2014/main" id="{543F0C81-CF59-49EB-BF88-A80683E7CB59}"/>
+                <a16:creationId xmlns:a16="http://schemas.microsoft.com/office/drawing/2014/main" id="{8E0A2277-441A-4B27-AB94-CD8389581D20}"/>
               </a:ext>
             </a:extLst>
           </p:cNvPr>
@@ -5627,8 +5672,8 @@
         </p:nvSpPr>
         <p:spPr>
           <a:xfrm>
-            <a:off x="8634209" y="2712463"/>
-            <a:ext cx="2719591" cy="1200329"/>
+            <a:off x="6679223" y="2655222"/>
+            <a:ext cx="3757246" cy="2492990"/>
           </a:xfrm>
           <a:prstGeom prst="rect">
             <a:avLst/>
@@ -5640,28 +5685,43 @@
           </a:bodyPr>
           <a:lstStyle/>
           <a:p>
+            <a:pPr fontAlgn="base"/>
             <a:r>
               <a:rPr lang="en-US" sz="2400" b="0" i="0" dirty="0">
-                <a:solidFill>
-                  <a:srgbClr val="24292E"/>
-                </a:solidFill>
                 <a:effectLst/>
                 <a:latin typeface="Arial Narrow" panose="020B0606020202030204" pitchFamily="34" charset="0"/>
               </a:rPr>
-              <a:t>Went to my old job to get some food b4 this storm lmao</a:t>
-            </a:r>
-            <a:endParaRPr lang="en-US" sz="2400" dirty="0">
-              <a:latin typeface="Arial Narrow" panose="020B0606020202030204" pitchFamily="34" charset="0"/>
-            </a:endParaRPr>
-          </a:p>
-        </p:txBody>
-      </p:sp>
-      <p:sp>
-        <p:nvSpPr>
-          <p:cNvPr id="11" name="Rectangle 10">
+              <a:t>Just forced myself to eat a slice. I'm really not hungry </a:t>
+            </a:r>
+            <a:r>
+              <a:rPr lang="en-US" sz="2400" b="0" i="0" dirty="0" err="1">
+                <a:effectLst/>
+                <a:latin typeface="Arial Narrow" panose="020B0606020202030204" pitchFamily="34" charset="0"/>
+              </a:rPr>
+              <a:t>tho</a:t>
+            </a:r>
+            <a:r>
+              <a:rPr lang="en-US" sz="2400" b="0" i="0" dirty="0">
+                <a:effectLst/>
+                <a:latin typeface="Arial Narrow" panose="020B0606020202030204" pitchFamily="34" charset="0"/>
+              </a:rPr>
+              <a:t>. This sucks. Mark is getting worried. He knows I'm sick when I turn down pizza. Lol</a:t>
+            </a:r>
+          </a:p>
+          <a:p>
+            <a:br>
+              <a:rPr lang="en-US" dirty="0"/>
+            </a:br>
+            <a:endParaRPr lang="en-US" dirty="0"/>
+          </a:p>
+        </p:txBody>
+      </p:sp>
+      <p:sp>
+        <p:nvSpPr>
+          <p:cNvPr id="6" name="Rectangle 5">
             <a:extLst>
               <a:ext uri="{FF2B5EF4-FFF2-40B4-BE49-F238E27FC236}">
-                <a16:creationId xmlns:a16="http://schemas.microsoft.com/office/drawing/2014/main" id="{FDCCE354-0786-4D33-ABF8-3896F085997D}"/>
+                <a16:creationId xmlns:a16="http://schemas.microsoft.com/office/drawing/2014/main" id="{52A0CEA7-307C-455A-8471-E6A2B10CE29C}"/>
               </a:ext>
             </a:extLst>
           </p:cNvPr>
@@ -5670,87 +5730,30 @@
         </p:nvSpPr>
         <p:spPr>
           <a:xfrm>
-            <a:off x="833682" y="2266045"/>
-            <a:ext cx="3493640" cy="2308324"/>
+            <a:off x="0" y="6308209"/>
+            <a:ext cx="5824223" cy="369332"/>
           </a:xfrm>
           <a:prstGeom prst="rect">
             <a:avLst/>
           </a:prstGeom>
         </p:spPr>
         <p:txBody>
-          <a:bodyPr wrap="square">
+          <a:bodyPr wrap="none">
             <a:spAutoFit/>
           </a:bodyPr>
           <a:lstStyle/>
           <a:p>
             <a:r>
-              <a:rPr lang="en-US" sz="2400" dirty="0">
-                <a:latin typeface="Arial Narrow" panose="020B0606020202030204" pitchFamily="34" charset="0"/>
-              </a:rPr>
-              <a:t>Social worker and able bodied . Can help bring meals to people , or simply drop off donations - can provide toiletries , blankets , jackets , hats , food , </a:t>
-            </a:r>
-            <a:r>
-              <a:rPr lang="en-US" sz="2400" dirty="0" err="1">
-                <a:latin typeface="Arial Narrow" panose="020B0606020202030204" pitchFamily="34" charset="0"/>
-              </a:rPr>
-              <a:t>etc</a:t>
-            </a:r>
-            <a:r>
-              <a:rPr lang="en-US" sz="2400" dirty="0">
-                <a:latin typeface="Arial Narrow" panose="020B0606020202030204" pitchFamily="34" charset="0"/>
-              </a:rPr>
-              <a:t> .</a:t>
-            </a:r>
-          </a:p>
-        </p:txBody>
-      </p:sp>
-      <p:sp>
-        <p:nvSpPr>
-          <p:cNvPr id="12" name="Rectangle 11">
-            <a:extLst>
-              <a:ext uri="{FF2B5EF4-FFF2-40B4-BE49-F238E27FC236}">
-                <a16:creationId xmlns:a16="http://schemas.microsoft.com/office/drawing/2014/main" id="{4B8F0914-53B0-4917-B7E1-D13231E413A7}"/>
-              </a:ext>
-            </a:extLst>
-          </p:cNvPr>
-          <p:cNvSpPr/>
-          <p:nvPr/>
-        </p:nvSpPr>
-        <p:spPr>
-          <a:xfrm>
-            <a:off x="4677589" y="2450711"/>
-            <a:ext cx="3256085" cy="1938992"/>
-          </a:xfrm>
-          <a:prstGeom prst="rect">
-            <a:avLst/>
-          </a:prstGeom>
-        </p:spPr>
-        <p:txBody>
-          <a:bodyPr wrap="square">
-            <a:spAutoFit/>
-          </a:bodyPr>
-          <a:lstStyle/>
-          <a:p>
-            <a:r>
-              <a:rPr lang="en-US" sz="2400" b="0" i="0" dirty="0">
-                <a:solidFill>
-                  <a:srgbClr val="24292E"/>
-                </a:solidFill>
-                <a:effectLst/>
-                <a:latin typeface="Arial Narrow" panose="020B0606020202030204" pitchFamily="34" charset="0"/>
-              </a:rPr>
-              <a:t>Going out to scavenge for allergy medicine . Hopefully someone is open otherwise my next painting with be splatter technique . # sandy</a:t>
-            </a:r>
-            <a:endParaRPr lang="en-US" sz="2400" dirty="0">
-              <a:latin typeface="Arial Narrow" panose="020B0606020202030204" pitchFamily="34" charset="0"/>
-            </a:endParaRPr>
+              <a:rPr lang="en-US" dirty="0"/>
+              <a:t>https://www.kaggle.com/benvozza/spam-classification/data</a:t>
+            </a:r>
           </a:p>
         </p:txBody>
       </p:sp>
     </p:spTree>
     <p:extLst>
       <p:ext uri="{BB962C8B-B14F-4D97-AF65-F5344CB8AC3E}">
-        <p14:creationId xmlns:p14="http://schemas.microsoft.com/office/powerpoint/2010/main" val="1097100417"/>
+        <p14:creationId xmlns:p14="http://schemas.microsoft.com/office/powerpoint/2010/main" val="3975535263"/>
       </p:ext>
     </p:extLst>
   </p:cSld>
@@ -5782,7 +5785,7 @@
           <p:cNvPr id="2" name="Title 1">
             <a:extLst>
               <a:ext uri="{FF2B5EF4-FFF2-40B4-BE49-F238E27FC236}">
-                <a16:creationId xmlns:a16="http://schemas.microsoft.com/office/drawing/2014/main" id="{53371981-BC8E-42AA-96B5-BCD9C8BD0963}"/>
+                <a16:creationId xmlns:a16="http://schemas.microsoft.com/office/drawing/2014/main" id="{E233BDFC-B1FD-41EE-96E4-75F31F9433CE}"/>
               </a:ext>
             </a:extLst>
           </p:cNvPr>
@@ -5800,7 +5803,7 @@
           <a:p>
             <a:r>
               <a:rPr lang="en-US" dirty="0"/>
-              <a:t>What might you want to classify? How would you do that?</a:t>
+              <a:t>How might you write a classifier to do this classification automatically?</a:t>
             </a:r>
           </a:p>
         </p:txBody>
@@ -5810,7 +5813,7 @@
           <p:cNvPr id="4" name="Rectangle 3">
             <a:extLst>
               <a:ext uri="{FF2B5EF4-FFF2-40B4-BE49-F238E27FC236}">
-                <a16:creationId xmlns:a16="http://schemas.microsoft.com/office/drawing/2014/main" id="{137D189B-2C65-418D-98CA-787E37DB7E52}"/>
+                <a16:creationId xmlns:a16="http://schemas.microsoft.com/office/drawing/2014/main" id="{D9AF9EA9-D790-40AF-A93E-F155C0142819}"/>
               </a:ext>
             </a:extLst>
           </p:cNvPr>
@@ -5819,8 +5822,8 @@
         </p:nvSpPr>
         <p:spPr>
           <a:xfrm>
-            <a:off x="0" y="6402951"/>
-            <a:ext cx="8757138" cy="369332"/>
+            <a:off x="1755531" y="2562889"/>
+            <a:ext cx="3212123" cy="2677656"/>
           </a:xfrm>
           <a:prstGeom prst="rect">
             <a:avLst/>
@@ -5833,18 +5836,38 @@
           <a:lstStyle/>
           <a:p>
             <a:r>
-              <a:rPr lang="en-US" dirty="0"/>
-              <a:t>https://github.com/abisee/sailors2017/blob/master/data/labeled-data-singlelabels-test.csv</a:t>
-            </a:r>
-          </a:p>
-        </p:txBody>
-      </p:sp>
-      <p:sp>
-        <p:nvSpPr>
-          <p:cNvPr id="10" name="Rectangle 9">
+              <a:rPr lang="en-US" sz="2400" b="0" i="0" dirty="0">
+                <a:effectLst/>
+                <a:latin typeface="Arial Narrow" panose="020B0606020202030204" pitchFamily="34" charset="0"/>
+              </a:rPr>
+              <a:t>SIX chances to win CASH! From 100 to 20,000 pounds txt&gt; CSH11 and send to 87575. Cost 150p/day, 6days, 16+ </a:t>
+            </a:r>
+            <a:r>
+              <a:rPr lang="en-US" sz="2400" b="0" i="0" dirty="0" err="1">
+                <a:effectLst/>
+                <a:latin typeface="Arial Narrow" panose="020B0606020202030204" pitchFamily="34" charset="0"/>
+              </a:rPr>
+              <a:t>TsandCs</a:t>
+            </a:r>
+            <a:r>
+              <a:rPr lang="en-US" sz="2400" b="0" i="0" dirty="0">
+                <a:effectLst/>
+                <a:latin typeface="Arial Narrow" panose="020B0606020202030204" pitchFamily="34" charset="0"/>
+              </a:rPr>
+              <a:t> apply Reply HL 4 info</a:t>
+            </a:r>
+            <a:endParaRPr lang="en-US" sz="2400" dirty="0">
+              <a:latin typeface="Arial Narrow" panose="020B0606020202030204" pitchFamily="34" charset="0"/>
+            </a:endParaRPr>
+          </a:p>
+        </p:txBody>
+      </p:sp>
+      <p:sp>
+        <p:nvSpPr>
+          <p:cNvPr id="5" name="Rectangle 4">
             <a:extLst>
               <a:ext uri="{FF2B5EF4-FFF2-40B4-BE49-F238E27FC236}">
-                <a16:creationId xmlns:a16="http://schemas.microsoft.com/office/drawing/2014/main" id="{543F0C81-CF59-49EB-BF88-A80683E7CB59}"/>
+                <a16:creationId xmlns:a16="http://schemas.microsoft.com/office/drawing/2014/main" id="{8E0A2277-441A-4B27-AB94-CD8389581D20}"/>
               </a:ext>
             </a:extLst>
           </p:cNvPr>
@@ -5853,8 +5876,8 @@
         </p:nvSpPr>
         <p:spPr>
           <a:xfrm>
-            <a:off x="8634209" y="2712463"/>
-            <a:ext cx="2719591" cy="1200329"/>
+            <a:off x="6679223" y="2655222"/>
+            <a:ext cx="3757246" cy="2492990"/>
           </a:xfrm>
           <a:prstGeom prst="rect">
             <a:avLst/>
@@ -5866,28 +5889,43 @@
           </a:bodyPr>
           <a:lstStyle/>
           <a:p>
+            <a:pPr fontAlgn="base"/>
             <a:r>
               <a:rPr lang="en-US" sz="2400" b="0" i="0" dirty="0">
-                <a:solidFill>
-                  <a:srgbClr val="24292E"/>
-                </a:solidFill>
                 <a:effectLst/>
                 <a:latin typeface="Arial Narrow" panose="020B0606020202030204" pitchFamily="34" charset="0"/>
               </a:rPr>
-              <a:t>Went to my old job to get some food b4 this storm lmao</a:t>
-            </a:r>
-            <a:endParaRPr lang="en-US" sz="2400" dirty="0">
-              <a:latin typeface="Arial Narrow" panose="020B0606020202030204" pitchFamily="34" charset="0"/>
-            </a:endParaRPr>
-          </a:p>
-        </p:txBody>
-      </p:sp>
-      <p:sp>
-        <p:nvSpPr>
-          <p:cNvPr id="11" name="Rectangle 10">
+              <a:t>Just forced myself to eat a slice. I'm really not hungry </a:t>
+            </a:r>
+            <a:r>
+              <a:rPr lang="en-US" sz="2400" b="0" i="0" dirty="0" err="1">
+                <a:effectLst/>
+                <a:latin typeface="Arial Narrow" panose="020B0606020202030204" pitchFamily="34" charset="0"/>
+              </a:rPr>
+              <a:t>tho</a:t>
+            </a:r>
+            <a:r>
+              <a:rPr lang="en-US" sz="2400" b="0" i="0" dirty="0">
+                <a:effectLst/>
+                <a:latin typeface="Arial Narrow" panose="020B0606020202030204" pitchFamily="34" charset="0"/>
+              </a:rPr>
+              <a:t>. This sucks. Mark is getting worried. He knows I'm sick when I turn down pizza. Lol</a:t>
+            </a:r>
+          </a:p>
+          <a:p>
+            <a:br>
+              <a:rPr lang="en-US" dirty="0"/>
+            </a:br>
+            <a:endParaRPr lang="en-US" dirty="0"/>
+          </a:p>
+        </p:txBody>
+      </p:sp>
+      <p:sp>
+        <p:nvSpPr>
+          <p:cNvPr id="6" name="Rectangle 5">
             <a:extLst>
               <a:ext uri="{FF2B5EF4-FFF2-40B4-BE49-F238E27FC236}">
-                <a16:creationId xmlns:a16="http://schemas.microsoft.com/office/drawing/2014/main" id="{FDCCE354-0786-4D33-ABF8-3896F085997D}"/>
+                <a16:creationId xmlns:a16="http://schemas.microsoft.com/office/drawing/2014/main" id="{52A0CEA7-307C-455A-8471-E6A2B10CE29C}"/>
               </a:ext>
             </a:extLst>
           </p:cNvPr>
@@ -5896,87 +5934,30 @@
         </p:nvSpPr>
         <p:spPr>
           <a:xfrm>
-            <a:off x="833682" y="2266045"/>
-            <a:ext cx="3493640" cy="2308324"/>
+            <a:off x="0" y="6308209"/>
+            <a:ext cx="5824223" cy="369332"/>
           </a:xfrm>
           <a:prstGeom prst="rect">
             <a:avLst/>
           </a:prstGeom>
         </p:spPr>
         <p:txBody>
-          <a:bodyPr wrap="square">
+          <a:bodyPr wrap="none">
             <a:spAutoFit/>
           </a:bodyPr>
           <a:lstStyle/>
           <a:p>
             <a:r>
-              <a:rPr lang="en-US" sz="2400" dirty="0">
-                <a:latin typeface="Arial Narrow" panose="020B0606020202030204" pitchFamily="34" charset="0"/>
-              </a:rPr>
-              <a:t>Social worker and able bodied . Can help bring meals to people , or simply drop off donations - can provide toiletries , blankets , jackets , hats , food , </a:t>
-            </a:r>
-            <a:r>
-              <a:rPr lang="en-US" sz="2400" dirty="0" err="1">
-                <a:latin typeface="Arial Narrow" panose="020B0606020202030204" pitchFamily="34" charset="0"/>
-              </a:rPr>
-              <a:t>etc</a:t>
-            </a:r>
-            <a:r>
-              <a:rPr lang="en-US" sz="2400" dirty="0">
-                <a:latin typeface="Arial Narrow" panose="020B0606020202030204" pitchFamily="34" charset="0"/>
-              </a:rPr>
-              <a:t> .</a:t>
-            </a:r>
-          </a:p>
-        </p:txBody>
-      </p:sp>
-      <p:sp>
-        <p:nvSpPr>
-          <p:cNvPr id="12" name="Rectangle 11">
-            <a:extLst>
-              <a:ext uri="{FF2B5EF4-FFF2-40B4-BE49-F238E27FC236}">
-                <a16:creationId xmlns:a16="http://schemas.microsoft.com/office/drawing/2014/main" id="{4B8F0914-53B0-4917-B7E1-D13231E413A7}"/>
-              </a:ext>
-            </a:extLst>
-          </p:cNvPr>
-          <p:cNvSpPr/>
-          <p:nvPr/>
-        </p:nvSpPr>
-        <p:spPr>
-          <a:xfrm>
-            <a:off x="4677589" y="2450711"/>
-            <a:ext cx="3256085" cy="1938992"/>
-          </a:xfrm>
-          <a:prstGeom prst="rect">
-            <a:avLst/>
-          </a:prstGeom>
-        </p:spPr>
-        <p:txBody>
-          <a:bodyPr wrap="square">
-            <a:spAutoFit/>
-          </a:bodyPr>
-          <a:lstStyle/>
-          <a:p>
-            <a:r>
-              <a:rPr lang="en-US" sz="2400" b="0" i="0" dirty="0">
-                <a:solidFill>
-                  <a:srgbClr val="24292E"/>
-                </a:solidFill>
-                <a:effectLst/>
-                <a:latin typeface="Arial Narrow" panose="020B0606020202030204" pitchFamily="34" charset="0"/>
-              </a:rPr>
-              <a:t>Going out to scavenge for allergy medicine . Hopefully someone is open otherwise my next painting with be splatter technique . # sandy</a:t>
-            </a:r>
-            <a:endParaRPr lang="en-US" sz="2400" dirty="0">
-              <a:latin typeface="Arial Narrow" panose="020B0606020202030204" pitchFamily="34" charset="0"/>
-            </a:endParaRPr>
+              <a:rPr lang="en-US" dirty="0"/>
+              <a:t>https://www.kaggle.com/benvozza/spam-classification/data</a:t>
+            </a:r>
           </a:p>
         </p:txBody>
       </p:sp>
     </p:spTree>
     <p:extLst>
       <p:ext uri="{BB962C8B-B14F-4D97-AF65-F5344CB8AC3E}">
-        <p14:creationId xmlns:p14="http://schemas.microsoft.com/office/powerpoint/2010/main" val="3747760431"/>
+        <p14:creationId xmlns:p14="http://schemas.microsoft.com/office/powerpoint/2010/main" val="1509600873"/>
       </p:ext>
     </p:extLst>
   </p:cSld>
@@ -6008,6 +5989,704 @@
           <p:cNvPr id="2" name="Title 1">
             <a:extLst>
               <a:ext uri="{FF2B5EF4-FFF2-40B4-BE49-F238E27FC236}">
+                <a16:creationId xmlns:a16="http://schemas.microsoft.com/office/drawing/2014/main" id="{D0F2D0D4-5300-45E4-99D3-2BC5CC3876AC}"/>
+              </a:ext>
+            </a:extLst>
+          </p:cNvPr>
+          <p:cNvSpPr>
+            <a:spLocks noGrp="1"/>
+          </p:cNvSpPr>
+          <p:nvPr>
+            <p:ph type="title"/>
+          </p:nvPr>
+        </p:nvSpPr>
+        <p:spPr/>
+        <p:txBody>
+          <a:bodyPr/>
+          <a:lstStyle/>
+          <a:p>
+            <a:r>
+              <a:rPr lang="en-US" dirty="0"/>
+              <a:t>How might you write a classifier to do this classification automatically?</a:t>
+            </a:r>
+          </a:p>
+        </p:txBody>
+      </p:sp>
+      <p:sp>
+        <p:nvSpPr>
+          <p:cNvPr id="3" name="Content Placeholder 2">
+            <a:extLst>
+              <a:ext uri="{FF2B5EF4-FFF2-40B4-BE49-F238E27FC236}">
+                <a16:creationId xmlns:a16="http://schemas.microsoft.com/office/drawing/2014/main" id="{DB42368F-45E3-4DF7-BA36-475860048254}"/>
+              </a:ext>
+            </a:extLst>
+          </p:cNvPr>
+          <p:cNvSpPr>
+            <a:spLocks noGrp="1"/>
+          </p:cNvSpPr>
+          <p:nvPr>
+            <p:ph idx="1"/>
+          </p:nvPr>
+        </p:nvSpPr>
+        <p:spPr/>
+        <p:txBody>
+          <a:bodyPr/>
+          <a:lstStyle/>
+          <a:p>
+            <a:pPr marL="0" indent="0">
+              <a:buNone/>
+            </a:pPr>
+            <a:r>
+              <a:rPr lang="en-US" dirty="0" err="1">
+                <a:latin typeface="Courier New" panose="02070309020205020404" pitchFamily="49" charset="0"/>
+                <a:cs typeface="Courier New" panose="02070309020205020404" pitchFamily="49" charset="0"/>
+              </a:rPr>
+              <a:t>spam_words</a:t>
+            </a:r>
+            <a:r>
+              <a:rPr lang="en-US" dirty="0">
+                <a:latin typeface="Courier New" panose="02070309020205020404" pitchFamily="49" charset="0"/>
+                <a:cs typeface="Courier New" panose="02070309020205020404" pitchFamily="49" charset="0"/>
+              </a:rPr>
+              <a:t> = </a:t>
+            </a:r>
+          </a:p>
+          <a:p>
+            <a:pPr marL="0" indent="0">
+              <a:buNone/>
+            </a:pPr>
+            <a:r>
+              <a:rPr lang="en-US" dirty="0" err="1">
+                <a:latin typeface="Courier New" panose="02070309020205020404" pitchFamily="49" charset="0"/>
+                <a:cs typeface="Courier New" panose="02070309020205020404" pitchFamily="49" charset="0"/>
+              </a:rPr>
+              <a:t>nonspam_words</a:t>
+            </a:r>
+            <a:r>
+              <a:rPr lang="en-US" dirty="0">
+                <a:latin typeface="Courier New" panose="02070309020205020404" pitchFamily="49" charset="0"/>
+                <a:cs typeface="Courier New" panose="02070309020205020404" pitchFamily="49" charset="0"/>
+              </a:rPr>
+              <a:t> = </a:t>
+            </a:r>
+          </a:p>
+          <a:p>
+            <a:pPr marL="0" indent="0">
+              <a:buNone/>
+            </a:pPr>
+            <a:r>
+              <a:rPr lang="en-US" dirty="0">
+                <a:latin typeface="Courier New" panose="02070309020205020404" pitchFamily="49" charset="0"/>
+                <a:cs typeface="Courier New" panose="02070309020205020404" pitchFamily="49" charset="0"/>
+              </a:rPr>
+              <a:t>if _________________:</a:t>
+            </a:r>
+          </a:p>
+          <a:p>
+            <a:pPr marL="0" indent="0">
+              <a:buNone/>
+            </a:pPr>
+            <a:endParaRPr lang="en-US" dirty="0">
+              <a:latin typeface="Courier New" panose="02070309020205020404" pitchFamily="49" charset="0"/>
+              <a:cs typeface="Courier New" panose="02070309020205020404" pitchFamily="49" charset="0"/>
+            </a:endParaRPr>
+          </a:p>
+          <a:p>
+            <a:pPr marL="0" indent="0">
+              <a:buNone/>
+            </a:pPr>
+            <a:endParaRPr lang="en-US" dirty="0">
+              <a:latin typeface="Courier New" panose="02070309020205020404" pitchFamily="49" charset="0"/>
+              <a:cs typeface="Courier New" panose="02070309020205020404" pitchFamily="49" charset="0"/>
+            </a:endParaRPr>
+          </a:p>
+          <a:p>
+            <a:pPr marL="0" indent="0">
+              <a:buNone/>
+            </a:pPr>
+            <a:r>
+              <a:rPr lang="en-US" dirty="0">
+                <a:latin typeface="Courier New" panose="02070309020205020404" pitchFamily="49" charset="0"/>
+                <a:cs typeface="Courier New" panose="02070309020205020404" pitchFamily="49" charset="0"/>
+              </a:rPr>
+              <a:t>else:</a:t>
+            </a:r>
+          </a:p>
+        </p:txBody>
+      </p:sp>
+    </p:spTree>
+    <p:extLst>
+      <p:ext uri="{BB962C8B-B14F-4D97-AF65-F5344CB8AC3E}">
+        <p14:creationId xmlns:p14="http://schemas.microsoft.com/office/powerpoint/2010/main" val="2703133447"/>
+      </p:ext>
+    </p:extLst>
+  </p:cSld>
+  <p:clrMapOvr>
+    <a:masterClrMapping/>
+  </p:clrMapOvr>
+</p:sld>
+</file>
+
+<file path=ppt/slides/slide19.xml><?xml version="1.0" encoding="utf-8"?>
+<p:sld xmlns:a="http://schemas.openxmlformats.org/drawingml/2006/main" xmlns:r="http://schemas.openxmlformats.org/officeDocument/2006/relationships" xmlns:p="http://schemas.openxmlformats.org/presentationml/2006/main">
+  <p:cSld>
+    <p:spTree>
+      <p:nvGrpSpPr>
+        <p:cNvPr id="1" name=""/>
+        <p:cNvGrpSpPr/>
+        <p:nvPr/>
+      </p:nvGrpSpPr>
+      <p:grpSpPr>
+        <a:xfrm>
+          <a:off x="0" y="0"/>
+          <a:ext cx="0" cy="0"/>
+          <a:chOff x="0" y="0"/>
+          <a:chExt cx="0" cy="0"/>
+        </a:xfrm>
+      </p:grpSpPr>
+      <p:sp>
+        <p:nvSpPr>
+          <p:cNvPr id="2" name="Title 1">
+            <a:extLst>
+              <a:ext uri="{FF2B5EF4-FFF2-40B4-BE49-F238E27FC236}">
+                <a16:creationId xmlns:a16="http://schemas.microsoft.com/office/drawing/2014/main" id="{53371981-BC8E-42AA-96B5-BCD9C8BD0963}"/>
+              </a:ext>
+            </a:extLst>
+          </p:cNvPr>
+          <p:cNvSpPr>
+            <a:spLocks noGrp="1"/>
+          </p:cNvSpPr>
+          <p:nvPr>
+            <p:ph type="title"/>
+          </p:nvPr>
+        </p:nvSpPr>
+        <p:spPr/>
+        <p:txBody>
+          <a:bodyPr/>
+          <a:lstStyle/>
+          <a:p>
+            <a:r>
+              <a:rPr lang="en-US" dirty="0"/>
+              <a:t>What about this example?</a:t>
+            </a:r>
+          </a:p>
+        </p:txBody>
+      </p:sp>
+      <p:sp>
+        <p:nvSpPr>
+          <p:cNvPr id="4" name="Rectangle 3">
+            <a:extLst>
+              <a:ext uri="{FF2B5EF4-FFF2-40B4-BE49-F238E27FC236}">
+                <a16:creationId xmlns:a16="http://schemas.microsoft.com/office/drawing/2014/main" id="{137D189B-2C65-418D-98CA-787E37DB7E52}"/>
+              </a:ext>
+            </a:extLst>
+          </p:cNvPr>
+          <p:cNvSpPr/>
+          <p:nvPr/>
+        </p:nvSpPr>
+        <p:spPr>
+          <a:xfrm>
+            <a:off x="0" y="6402951"/>
+            <a:ext cx="8757138" cy="369332"/>
+          </a:xfrm>
+          <a:prstGeom prst="rect">
+            <a:avLst/>
+          </a:prstGeom>
+        </p:spPr>
+        <p:txBody>
+          <a:bodyPr wrap="square">
+            <a:spAutoFit/>
+          </a:bodyPr>
+          <a:lstStyle/>
+          <a:p>
+            <a:r>
+              <a:rPr lang="en-US" dirty="0"/>
+              <a:t>https://github.com/abisee/sailors2017/blob/master/data/labeled-data-singlelabels-test.csv</a:t>
+            </a:r>
+          </a:p>
+        </p:txBody>
+      </p:sp>
+      <p:sp>
+        <p:nvSpPr>
+          <p:cNvPr id="10" name="Rectangle 9">
+            <a:extLst>
+              <a:ext uri="{FF2B5EF4-FFF2-40B4-BE49-F238E27FC236}">
+                <a16:creationId xmlns:a16="http://schemas.microsoft.com/office/drawing/2014/main" id="{543F0C81-CF59-49EB-BF88-A80683E7CB59}"/>
+              </a:ext>
+            </a:extLst>
+          </p:cNvPr>
+          <p:cNvSpPr/>
+          <p:nvPr/>
+        </p:nvSpPr>
+        <p:spPr>
+          <a:xfrm>
+            <a:off x="8634209" y="2712463"/>
+            <a:ext cx="2719591" cy="1200329"/>
+          </a:xfrm>
+          <a:prstGeom prst="rect">
+            <a:avLst/>
+          </a:prstGeom>
+        </p:spPr>
+        <p:txBody>
+          <a:bodyPr wrap="square">
+            <a:spAutoFit/>
+          </a:bodyPr>
+          <a:lstStyle/>
+          <a:p>
+            <a:r>
+              <a:rPr lang="en-US" sz="2400" b="0" i="0" dirty="0">
+                <a:solidFill>
+                  <a:srgbClr val="24292E"/>
+                </a:solidFill>
+                <a:effectLst/>
+                <a:latin typeface="Arial Narrow" panose="020B0606020202030204" pitchFamily="34" charset="0"/>
+              </a:rPr>
+              <a:t>Went to my old job to get some food b4 this storm lmao</a:t>
+            </a:r>
+            <a:endParaRPr lang="en-US" sz="2400" dirty="0">
+              <a:latin typeface="Arial Narrow" panose="020B0606020202030204" pitchFamily="34" charset="0"/>
+            </a:endParaRPr>
+          </a:p>
+        </p:txBody>
+      </p:sp>
+      <p:sp>
+        <p:nvSpPr>
+          <p:cNvPr id="11" name="Rectangle 10">
+            <a:extLst>
+              <a:ext uri="{FF2B5EF4-FFF2-40B4-BE49-F238E27FC236}">
+                <a16:creationId xmlns:a16="http://schemas.microsoft.com/office/drawing/2014/main" id="{FDCCE354-0786-4D33-ABF8-3896F085997D}"/>
+              </a:ext>
+            </a:extLst>
+          </p:cNvPr>
+          <p:cNvSpPr/>
+          <p:nvPr/>
+        </p:nvSpPr>
+        <p:spPr>
+          <a:xfrm>
+            <a:off x="833682" y="2266045"/>
+            <a:ext cx="3493640" cy="2308324"/>
+          </a:xfrm>
+          <a:prstGeom prst="rect">
+            <a:avLst/>
+          </a:prstGeom>
+        </p:spPr>
+        <p:txBody>
+          <a:bodyPr wrap="square">
+            <a:spAutoFit/>
+          </a:bodyPr>
+          <a:lstStyle/>
+          <a:p>
+            <a:r>
+              <a:rPr lang="en-US" sz="2400" dirty="0">
+                <a:latin typeface="Arial Narrow" panose="020B0606020202030204" pitchFamily="34" charset="0"/>
+              </a:rPr>
+              <a:t>Social worker and able bodied . Can help bring meals to people , or simply drop off donations - can provide toiletries , blankets , jackets , hats , food , </a:t>
+            </a:r>
+            <a:r>
+              <a:rPr lang="en-US" sz="2400" dirty="0" err="1">
+                <a:latin typeface="Arial Narrow" panose="020B0606020202030204" pitchFamily="34" charset="0"/>
+              </a:rPr>
+              <a:t>etc</a:t>
+            </a:r>
+            <a:r>
+              <a:rPr lang="en-US" sz="2400" dirty="0">
+                <a:latin typeface="Arial Narrow" panose="020B0606020202030204" pitchFamily="34" charset="0"/>
+              </a:rPr>
+              <a:t> .</a:t>
+            </a:r>
+          </a:p>
+        </p:txBody>
+      </p:sp>
+      <p:sp>
+        <p:nvSpPr>
+          <p:cNvPr id="12" name="Rectangle 11">
+            <a:extLst>
+              <a:ext uri="{FF2B5EF4-FFF2-40B4-BE49-F238E27FC236}">
+                <a16:creationId xmlns:a16="http://schemas.microsoft.com/office/drawing/2014/main" id="{4B8F0914-53B0-4917-B7E1-D13231E413A7}"/>
+              </a:ext>
+            </a:extLst>
+          </p:cNvPr>
+          <p:cNvSpPr/>
+          <p:nvPr/>
+        </p:nvSpPr>
+        <p:spPr>
+          <a:xfrm>
+            <a:off x="4677589" y="2450711"/>
+            <a:ext cx="3256085" cy="1938992"/>
+          </a:xfrm>
+          <a:prstGeom prst="rect">
+            <a:avLst/>
+          </a:prstGeom>
+        </p:spPr>
+        <p:txBody>
+          <a:bodyPr wrap="square">
+            <a:spAutoFit/>
+          </a:bodyPr>
+          <a:lstStyle/>
+          <a:p>
+            <a:r>
+              <a:rPr lang="en-US" sz="2400" b="0" i="0" dirty="0">
+                <a:solidFill>
+                  <a:srgbClr val="24292E"/>
+                </a:solidFill>
+                <a:effectLst/>
+                <a:latin typeface="Arial Narrow" panose="020B0606020202030204" pitchFamily="34" charset="0"/>
+              </a:rPr>
+              <a:t>Going out to scavenge for allergy medicine . Hopefully someone is open otherwise my next painting with be splatter technique . # sandy</a:t>
+            </a:r>
+            <a:endParaRPr lang="en-US" sz="2400" dirty="0">
+              <a:latin typeface="Arial Narrow" panose="020B0606020202030204" pitchFamily="34" charset="0"/>
+            </a:endParaRPr>
+          </a:p>
+        </p:txBody>
+      </p:sp>
+    </p:spTree>
+    <p:extLst>
+      <p:ext uri="{BB962C8B-B14F-4D97-AF65-F5344CB8AC3E}">
+        <p14:creationId xmlns:p14="http://schemas.microsoft.com/office/powerpoint/2010/main" val="1097100417"/>
+      </p:ext>
+    </p:extLst>
+  </p:cSld>
+  <p:clrMapOvr>
+    <a:masterClrMapping/>
+  </p:clrMapOvr>
+</p:sld>
+</file>
+
+<file path=ppt/slides/slide2.xml><?xml version="1.0" encoding="utf-8"?>
+<p:sld xmlns:a="http://schemas.openxmlformats.org/drawingml/2006/main" xmlns:r="http://schemas.openxmlformats.org/officeDocument/2006/relationships" xmlns:p="http://schemas.openxmlformats.org/presentationml/2006/main">
+  <p:cSld>
+    <p:spTree>
+      <p:nvGrpSpPr>
+        <p:cNvPr id="1" name=""/>
+        <p:cNvGrpSpPr/>
+        <p:nvPr/>
+      </p:nvGrpSpPr>
+      <p:grpSpPr>
+        <a:xfrm>
+          <a:off x="0" y="0"/>
+          <a:ext cx="0" cy="0"/>
+          <a:chOff x="0" y="0"/>
+          <a:chExt cx="0" cy="0"/>
+        </a:xfrm>
+      </p:grpSpPr>
+      <p:sp>
+        <p:nvSpPr>
+          <p:cNvPr id="2" name="Title 1">
+            <a:extLst>
+              <a:ext uri="{FF2B5EF4-FFF2-40B4-BE49-F238E27FC236}">
+                <a16:creationId xmlns:a16="http://schemas.microsoft.com/office/drawing/2014/main" id="{9B4F45B0-2EC9-460C-AA5E-BBD97C77F9E5}"/>
+              </a:ext>
+            </a:extLst>
+          </p:cNvPr>
+          <p:cNvSpPr>
+            <a:spLocks noGrp="1"/>
+          </p:cNvSpPr>
+          <p:nvPr>
+            <p:ph type="title"/>
+          </p:nvPr>
+        </p:nvSpPr>
+        <p:spPr/>
+        <p:txBody>
+          <a:bodyPr/>
+          <a:lstStyle/>
+          <a:p>
+            <a:r>
+              <a:rPr lang="en-US" dirty="0"/>
+              <a:t>Wordnet</a:t>
+            </a:r>
+          </a:p>
+        </p:txBody>
+      </p:sp>
+      <p:sp>
+        <p:nvSpPr>
+          <p:cNvPr id="3" name="Subtitle 2">
+            <a:extLst>
+              <a:ext uri="{FF2B5EF4-FFF2-40B4-BE49-F238E27FC236}">
+                <a16:creationId xmlns:a16="http://schemas.microsoft.com/office/drawing/2014/main" id="{71D0EB3C-4AAC-42F8-8BFE-7C0F722C1C93}"/>
+              </a:ext>
+            </a:extLst>
+          </p:cNvPr>
+          <p:cNvSpPr>
+            <a:spLocks noGrp="1"/>
+          </p:cNvSpPr>
+          <p:nvPr>
+            <p:ph type="body" idx="1"/>
+          </p:nvPr>
+        </p:nvSpPr>
+        <p:spPr/>
+        <p:txBody>
+          <a:bodyPr/>
+          <a:lstStyle/>
+          <a:p>
+            <a:r>
+              <a:rPr lang="en-US" dirty="0"/>
+              <a:t>Princeton AI4ALL: NLP Group</a:t>
+            </a:r>
+          </a:p>
+        </p:txBody>
+      </p:sp>
+    </p:spTree>
+    <p:extLst>
+      <p:ext uri="{BB962C8B-B14F-4D97-AF65-F5344CB8AC3E}">
+        <p14:creationId xmlns:p14="http://schemas.microsoft.com/office/powerpoint/2010/main" val="1091884462"/>
+      </p:ext>
+    </p:extLst>
+  </p:cSld>
+  <p:clrMapOvr>
+    <a:masterClrMapping/>
+  </p:clrMapOvr>
+</p:sld>
+</file>
+
+<file path=ppt/slides/slide20.xml><?xml version="1.0" encoding="utf-8"?>
+<p:sld xmlns:a="http://schemas.openxmlformats.org/drawingml/2006/main" xmlns:r="http://schemas.openxmlformats.org/officeDocument/2006/relationships" xmlns:p="http://schemas.openxmlformats.org/presentationml/2006/main">
+  <p:cSld>
+    <p:spTree>
+      <p:nvGrpSpPr>
+        <p:cNvPr id="1" name=""/>
+        <p:cNvGrpSpPr/>
+        <p:nvPr/>
+      </p:nvGrpSpPr>
+      <p:grpSpPr>
+        <a:xfrm>
+          <a:off x="0" y="0"/>
+          <a:ext cx="0" cy="0"/>
+          <a:chOff x="0" y="0"/>
+          <a:chExt cx="0" cy="0"/>
+        </a:xfrm>
+      </p:grpSpPr>
+      <p:sp>
+        <p:nvSpPr>
+          <p:cNvPr id="2" name="Title 1">
+            <a:extLst>
+              <a:ext uri="{FF2B5EF4-FFF2-40B4-BE49-F238E27FC236}">
+                <a16:creationId xmlns:a16="http://schemas.microsoft.com/office/drawing/2014/main" id="{53371981-BC8E-42AA-96B5-BCD9C8BD0963}"/>
+              </a:ext>
+            </a:extLst>
+          </p:cNvPr>
+          <p:cNvSpPr>
+            <a:spLocks noGrp="1"/>
+          </p:cNvSpPr>
+          <p:nvPr>
+            <p:ph type="title"/>
+          </p:nvPr>
+        </p:nvSpPr>
+        <p:spPr/>
+        <p:txBody>
+          <a:bodyPr/>
+          <a:lstStyle/>
+          <a:p>
+            <a:r>
+              <a:rPr lang="en-US" dirty="0"/>
+              <a:t>What might you want to classify? How would you do that?</a:t>
+            </a:r>
+          </a:p>
+        </p:txBody>
+      </p:sp>
+      <p:sp>
+        <p:nvSpPr>
+          <p:cNvPr id="4" name="Rectangle 3">
+            <a:extLst>
+              <a:ext uri="{FF2B5EF4-FFF2-40B4-BE49-F238E27FC236}">
+                <a16:creationId xmlns:a16="http://schemas.microsoft.com/office/drawing/2014/main" id="{137D189B-2C65-418D-98CA-787E37DB7E52}"/>
+              </a:ext>
+            </a:extLst>
+          </p:cNvPr>
+          <p:cNvSpPr/>
+          <p:nvPr/>
+        </p:nvSpPr>
+        <p:spPr>
+          <a:xfrm>
+            <a:off x="0" y="6402951"/>
+            <a:ext cx="8757138" cy="369332"/>
+          </a:xfrm>
+          <a:prstGeom prst="rect">
+            <a:avLst/>
+          </a:prstGeom>
+        </p:spPr>
+        <p:txBody>
+          <a:bodyPr wrap="square">
+            <a:spAutoFit/>
+          </a:bodyPr>
+          <a:lstStyle/>
+          <a:p>
+            <a:r>
+              <a:rPr lang="en-US" dirty="0"/>
+              <a:t>https://github.com/abisee/sailors2017/blob/master/data/labeled-data-singlelabels-test.csv</a:t>
+            </a:r>
+          </a:p>
+        </p:txBody>
+      </p:sp>
+      <p:sp>
+        <p:nvSpPr>
+          <p:cNvPr id="10" name="Rectangle 9">
+            <a:extLst>
+              <a:ext uri="{FF2B5EF4-FFF2-40B4-BE49-F238E27FC236}">
+                <a16:creationId xmlns:a16="http://schemas.microsoft.com/office/drawing/2014/main" id="{543F0C81-CF59-49EB-BF88-A80683E7CB59}"/>
+              </a:ext>
+            </a:extLst>
+          </p:cNvPr>
+          <p:cNvSpPr/>
+          <p:nvPr/>
+        </p:nvSpPr>
+        <p:spPr>
+          <a:xfrm>
+            <a:off x="8634209" y="2712463"/>
+            <a:ext cx="2719591" cy="1200329"/>
+          </a:xfrm>
+          <a:prstGeom prst="rect">
+            <a:avLst/>
+          </a:prstGeom>
+        </p:spPr>
+        <p:txBody>
+          <a:bodyPr wrap="square">
+            <a:spAutoFit/>
+          </a:bodyPr>
+          <a:lstStyle/>
+          <a:p>
+            <a:r>
+              <a:rPr lang="en-US" sz="2400" b="0" i="0" dirty="0">
+                <a:solidFill>
+                  <a:srgbClr val="24292E"/>
+                </a:solidFill>
+                <a:effectLst/>
+                <a:latin typeface="Arial Narrow" panose="020B0606020202030204" pitchFamily="34" charset="0"/>
+              </a:rPr>
+              <a:t>Went to my old job to get some food b4 this storm lmao</a:t>
+            </a:r>
+            <a:endParaRPr lang="en-US" sz="2400" dirty="0">
+              <a:latin typeface="Arial Narrow" panose="020B0606020202030204" pitchFamily="34" charset="0"/>
+            </a:endParaRPr>
+          </a:p>
+        </p:txBody>
+      </p:sp>
+      <p:sp>
+        <p:nvSpPr>
+          <p:cNvPr id="11" name="Rectangle 10">
+            <a:extLst>
+              <a:ext uri="{FF2B5EF4-FFF2-40B4-BE49-F238E27FC236}">
+                <a16:creationId xmlns:a16="http://schemas.microsoft.com/office/drawing/2014/main" id="{FDCCE354-0786-4D33-ABF8-3896F085997D}"/>
+              </a:ext>
+            </a:extLst>
+          </p:cNvPr>
+          <p:cNvSpPr/>
+          <p:nvPr/>
+        </p:nvSpPr>
+        <p:spPr>
+          <a:xfrm>
+            <a:off x="833682" y="2266045"/>
+            <a:ext cx="3493640" cy="2308324"/>
+          </a:xfrm>
+          <a:prstGeom prst="rect">
+            <a:avLst/>
+          </a:prstGeom>
+        </p:spPr>
+        <p:txBody>
+          <a:bodyPr wrap="square">
+            <a:spAutoFit/>
+          </a:bodyPr>
+          <a:lstStyle/>
+          <a:p>
+            <a:r>
+              <a:rPr lang="en-US" sz="2400" dirty="0">
+                <a:latin typeface="Arial Narrow" panose="020B0606020202030204" pitchFamily="34" charset="0"/>
+              </a:rPr>
+              <a:t>Social worker and able bodied . Can help bring meals to people , or simply drop off donations - can provide toiletries , blankets , jackets , hats , food , </a:t>
+            </a:r>
+            <a:r>
+              <a:rPr lang="en-US" sz="2400" dirty="0" err="1">
+                <a:latin typeface="Arial Narrow" panose="020B0606020202030204" pitchFamily="34" charset="0"/>
+              </a:rPr>
+              <a:t>etc</a:t>
+            </a:r>
+            <a:r>
+              <a:rPr lang="en-US" sz="2400" dirty="0">
+                <a:latin typeface="Arial Narrow" panose="020B0606020202030204" pitchFamily="34" charset="0"/>
+              </a:rPr>
+              <a:t> .</a:t>
+            </a:r>
+          </a:p>
+        </p:txBody>
+      </p:sp>
+      <p:sp>
+        <p:nvSpPr>
+          <p:cNvPr id="12" name="Rectangle 11">
+            <a:extLst>
+              <a:ext uri="{FF2B5EF4-FFF2-40B4-BE49-F238E27FC236}">
+                <a16:creationId xmlns:a16="http://schemas.microsoft.com/office/drawing/2014/main" id="{4B8F0914-53B0-4917-B7E1-D13231E413A7}"/>
+              </a:ext>
+            </a:extLst>
+          </p:cNvPr>
+          <p:cNvSpPr/>
+          <p:nvPr/>
+        </p:nvSpPr>
+        <p:spPr>
+          <a:xfrm>
+            <a:off x="4677589" y="2450711"/>
+            <a:ext cx="3256085" cy="1938992"/>
+          </a:xfrm>
+          <a:prstGeom prst="rect">
+            <a:avLst/>
+          </a:prstGeom>
+        </p:spPr>
+        <p:txBody>
+          <a:bodyPr wrap="square">
+            <a:spAutoFit/>
+          </a:bodyPr>
+          <a:lstStyle/>
+          <a:p>
+            <a:r>
+              <a:rPr lang="en-US" sz="2400" b="0" i="0" dirty="0">
+                <a:solidFill>
+                  <a:srgbClr val="24292E"/>
+                </a:solidFill>
+                <a:effectLst/>
+                <a:latin typeface="Arial Narrow" panose="020B0606020202030204" pitchFamily="34" charset="0"/>
+              </a:rPr>
+              <a:t>Going out to scavenge for allergy medicine . Hopefully someone is open otherwise my next painting with be splatter technique . # sandy</a:t>
+            </a:r>
+            <a:endParaRPr lang="en-US" sz="2400" dirty="0">
+              <a:latin typeface="Arial Narrow" panose="020B0606020202030204" pitchFamily="34" charset="0"/>
+            </a:endParaRPr>
+          </a:p>
+        </p:txBody>
+      </p:sp>
+    </p:spTree>
+    <p:extLst>
+      <p:ext uri="{BB962C8B-B14F-4D97-AF65-F5344CB8AC3E}">
+        <p14:creationId xmlns:p14="http://schemas.microsoft.com/office/powerpoint/2010/main" val="3747760431"/>
+      </p:ext>
+    </p:extLst>
+  </p:cSld>
+  <p:clrMapOvr>
+    <a:masterClrMapping/>
+  </p:clrMapOvr>
+</p:sld>
+</file>
+
+<file path=ppt/slides/slide21.xml><?xml version="1.0" encoding="utf-8"?>
+<p:sld xmlns:a="http://schemas.openxmlformats.org/drawingml/2006/main" xmlns:r="http://schemas.openxmlformats.org/officeDocument/2006/relationships" xmlns:p="http://schemas.openxmlformats.org/presentationml/2006/main">
+  <p:cSld>
+    <p:spTree>
+      <p:nvGrpSpPr>
+        <p:cNvPr id="1" name=""/>
+        <p:cNvGrpSpPr/>
+        <p:nvPr/>
+      </p:nvGrpSpPr>
+      <p:grpSpPr>
+        <a:xfrm>
+          <a:off x="0" y="0"/>
+          <a:ext cx="0" cy="0"/>
+          <a:chOff x="0" y="0"/>
+          <a:chExt cx="0" cy="0"/>
+        </a:xfrm>
+      </p:grpSpPr>
+      <p:sp>
+        <p:nvSpPr>
+          <p:cNvPr id="2" name="Title 1">
+            <a:extLst>
+              <a:ext uri="{FF2B5EF4-FFF2-40B4-BE49-F238E27FC236}">
                 <a16:creationId xmlns:a16="http://schemas.microsoft.com/office/drawing/2014/main" id="{53371981-BC8E-42AA-96B5-BCD9C8BD0963}"/>
               </a:ext>
             </a:extLst>
@@ -6212,7 +6891,227 @@
 </p:sld>
 </file>
 
-<file path=ppt/slides/slide2.xml><?xml version="1.0" encoding="utf-8"?>
+<file path=ppt/slides/slide22.xml><?xml version="1.0" encoding="utf-8"?>
+<p:sld xmlns:a="http://schemas.openxmlformats.org/drawingml/2006/main" xmlns:r="http://schemas.openxmlformats.org/officeDocument/2006/relationships" xmlns:p="http://schemas.openxmlformats.org/presentationml/2006/main">
+  <p:cSld>
+    <p:spTree>
+      <p:nvGrpSpPr>
+        <p:cNvPr id="1" name=""/>
+        <p:cNvGrpSpPr/>
+        <p:nvPr/>
+      </p:nvGrpSpPr>
+      <p:grpSpPr>
+        <a:xfrm>
+          <a:off x="0" y="0"/>
+          <a:ext cx="0" cy="0"/>
+          <a:chOff x="0" y="0"/>
+          <a:chExt cx="0" cy="0"/>
+        </a:xfrm>
+      </p:grpSpPr>
+      <p:sp>
+        <p:nvSpPr>
+          <p:cNvPr id="4" name="Rectangle 3">
+            <a:extLst>
+              <a:ext uri="{FF2B5EF4-FFF2-40B4-BE49-F238E27FC236}">
+                <a16:creationId xmlns:a16="http://schemas.microsoft.com/office/drawing/2014/main" id="{1D6BBE03-409A-491A-8E03-FFB9CB4F1A9C}"/>
+              </a:ext>
+            </a:extLst>
+          </p:cNvPr>
+          <p:cNvSpPr/>
+          <p:nvPr/>
+        </p:nvSpPr>
+        <p:spPr>
+          <a:xfrm>
+            <a:off x="4084872" y="2998113"/>
+            <a:ext cx="4022255" cy="861774"/>
+          </a:xfrm>
+          <a:prstGeom prst="rect">
+            <a:avLst/>
+          </a:prstGeom>
+        </p:spPr>
+        <p:txBody>
+          <a:bodyPr wrap="none">
+            <a:spAutoFit/>
+          </a:bodyPr>
+          <a:lstStyle/>
+          <a:p>
+            <a:r>
+              <a:rPr lang="en-US" sz="5000" dirty="0"/>
+              <a:t>bit.ly/2uQ9vrQ</a:t>
+            </a:r>
+          </a:p>
+        </p:txBody>
+      </p:sp>
+    </p:spTree>
+    <p:extLst>
+      <p:ext uri="{BB962C8B-B14F-4D97-AF65-F5344CB8AC3E}">
+        <p14:creationId xmlns:p14="http://schemas.microsoft.com/office/powerpoint/2010/main" val="1375107368"/>
+      </p:ext>
+    </p:extLst>
+  </p:cSld>
+  <p:clrMapOvr>
+    <a:masterClrMapping/>
+  </p:clrMapOvr>
+</p:sld>
+</file>
+
+<file path=ppt/slides/slide3.xml><?xml version="1.0" encoding="utf-8"?>
+<p:sld xmlns:a="http://schemas.openxmlformats.org/drawingml/2006/main" xmlns:r="http://schemas.openxmlformats.org/officeDocument/2006/relationships" xmlns:p="http://schemas.openxmlformats.org/presentationml/2006/main">
+  <p:cSld>
+    <p:spTree>
+      <p:nvGrpSpPr>
+        <p:cNvPr id="1" name=""/>
+        <p:cNvGrpSpPr/>
+        <p:nvPr/>
+      </p:nvGrpSpPr>
+      <p:grpSpPr>
+        <a:xfrm>
+          <a:off x="0" y="0"/>
+          <a:ext cx="0" cy="0"/>
+          <a:chOff x="0" y="0"/>
+          <a:chExt cx="0" cy="0"/>
+        </a:xfrm>
+      </p:grpSpPr>
+      <p:sp>
+        <p:nvSpPr>
+          <p:cNvPr id="4" name="Title 3">
+            <a:extLst>
+              <a:ext uri="{FF2B5EF4-FFF2-40B4-BE49-F238E27FC236}">
+                <a16:creationId xmlns:a16="http://schemas.microsoft.com/office/drawing/2014/main" id="{45D3BFD2-3E9D-4559-AF59-33070888BCB7}"/>
+              </a:ext>
+            </a:extLst>
+          </p:cNvPr>
+          <p:cNvSpPr>
+            <a:spLocks noGrp="1"/>
+          </p:cNvSpPr>
+          <p:nvPr>
+            <p:ph type="title"/>
+          </p:nvPr>
+        </p:nvSpPr>
+        <p:spPr>
+          <a:xfrm>
+            <a:off x="709612" y="2599901"/>
+            <a:ext cx="10772775" cy="1658198"/>
+          </a:xfrm>
+        </p:spPr>
+        <p:txBody>
+          <a:bodyPr/>
+          <a:lstStyle/>
+          <a:p>
+            <a:pPr algn="ctr"/>
+            <a:r>
+              <a:rPr lang="en-US" dirty="0"/>
+              <a:t>wordnet.princeton.edu</a:t>
+            </a:r>
+          </a:p>
+        </p:txBody>
+      </p:sp>
+      <p:sp>
+        <p:nvSpPr>
+          <p:cNvPr id="5" name="Rectangle 4">
+            <a:extLst>
+              <a:ext uri="{FF2B5EF4-FFF2-40B4-BE49-F238E27FC236}">
+                <a16:creationId xmlns:a16="http://schemas.microsoft.com/office/drawing/2014/main" id="{557D9051-D089-4BB1-8AA4-9B6907D9AA7E}"/>
+              </a:ext>
+            </a:extLst>
+          </p:cNvPr>
+          <p:cNvSpPr/>
+          <p:nvPr/>
+        </p:nvSpPr>
+        <p:spPr>
+          <a:xfrm>
+            <a:off x="4059416" y="4519219"/>
+            <a:ext cx="4073166" cy="369332"/>
+          </a:xfrm>
+          <a:prstGeom prst="rect">
+            <a:avLst/>
+          </a:prstGeom>
+        </p:spPr>
+        <p:txBody>
+          <a:bodyPr wrap="none">
+            <a:spAutoFit/>
+          </a:bodyPr>
+          <a:lstStyle/>
+          <a:p>
+            <a:r>
+              <a:rPr lang="en-US" dirty="0"/>
+              <a:t>http://www.nltk.org/howto/wordnet.html</a:t>
+            </a:r>
+          </a:p>
+        </p:txBody>
+      </p:sp>
+    </p:spTree>
+    <p:extLst>
+      <p:ext uri="{BB962C8B-B14F-4D97-AF65-F5344CB8AC3E}">
+        <p14:creationId xmlns:p14="http://schemas.microsoft.com/office/powerpoint/2010/main" val="2349882029"/>
+      </p:ext>
+    </p:extLst>
+  </p:cSld>
+  <p:clrMapOvr>
+    <a:masterClrMapping/>
+  </p:clrMapOvr>
+</p:sld>
+</file>
+
+<file path=ppt/slides/slide4.xml><?xml version="1.0" encoding="utf-8"?>
+<p:sld xmlns:a="http://schemas.openxmlformats.org/drawingml/2006/main" xmlns:r="http://schemas.openxmlformats.org/officeDocument/2006/relationships" xmlns:p="http://schemas.openxmlformats.org/presentationml/2006/main">
+  <p:cSld>
+    <p:spTree>
+      <p:nvGrpSpPr>
+        <p:cNvPr id="1" name=""/>
+        <p:cNvGrpSpPr/>
+        <p:nvPr/>
+      </p:nvGrpSpPr>
+      <p:grpSpPr>
+        <a:xfrm>
+          <a:off x="0" y="0"/>
+          <a:ext cx="0" cy="0"/>
+          <a:chOff x="0" y="0"/>
+          <a:chExt cx="0" cy="0"/>
+        </a:xfrm>
+      </p:grpSpPr>
+      <p:sp>
+        <p:nvSpPr>
+          <p:cNvPr id="2" name="Title 1">
+            <a:extLst>
+              <a:ext uri="{FF2B5EF4-FFF2-40B4-BE49-F238E27FC236}">
+                <a16:creationId xmlns:a16="http://schemas.microsoft.com/office/drawing/2014/main" id="{9B4F45B0-2EC9-460C-AA5E-BBD97C77F9E5}"/>
+              </a:ext>
+            </a:extLst>
+          </p:cNvPr>
+          <p:cNvSpPr>
+            <a:spLocks noGrp="1"/>
+          </p:cNvSpPr>
+          <p:nvPr>
+            <p:ph type="title"/>
+          </p:nvPr>
+        </p:nvSpPr>
+        <p:spPr/>
+        <p:txBody>
+          <a:bodyPr/>
+          <a:lstStyle/>
+          <a:p>
+            <a:r>
+              <a:rPr lang="en-US" dirty="0"/>
+              <a:t>Some Background Material</a:t>
+            </a:r>
+          </a:p>
+        </p:txBody>
+      </p:sp>
+    </p:spTree>
+    <p:extLst>
+      <p:ext uri="{BB962C8B-B14F-4D97-AF65-F5344CB8AC3E}">
+        <p14:creationId xmlns:p14="http://schemas.microsoft.com/office/powerpoint/2010/main" val="3780991589"/>
+      </p:ext>
+    </p:extLst>
+  </p:cSld>
+  <p:clrMapOvr>
+    <a:masterClrMapping/>
+  </p:clrMapOvr>
+</p:sld>
+</file>
+
+<file path=ppt/slides/slide5.xml><?xml version="1.0" encoding="utf-8"?>
 <p:sld xmlns:a="http://schemas.openxmlformats.org/drawingml/2006/main" xmlns:r="http://schemas.openxmlformats.org/officeDocument/2006/relationships" xmlns:p="http://schemas.openxmlformats.org/presentationml/2006/main">
   <p:cSld>
     <p:spTree>
@@ -6272,7 +7171,7 @@
 </p:sld>
 </file>
 
-<file path=ppt/slides/slide3.xml><?xml version="1.0" encoding="utf-8"?>
+<file path=ppt/slides/slide6.xml><?xml version="1.0" encoding="utf-8"?>
 <p:sld xmlns:a="http://schemas.openxmlformats.org/drawingml/2006/main" xmlns:r="http://schemas.openxmlformats.org/officeDocument/2006/relationships" xmlns:p="http://schemas.openxmlformats.org/presentationml/2006/main">
   <p:cSld>
     <p:spTree>
@@ -6367,7 +7266,7 @@
 </p:sld>
 </file>
 
-<file path=ppt/slides/slide4.xml><?xml version="1.0" encoding="utf-8"?>
+<file path=ppt/slides/slide7.xml><?xml version="1.0" encoding="utf-8"?>
 <p:sld xmlns:a="http://schemas.openxmlformats.org/drawingml/2006/main" xmlns:r="http://schemas.openxmlformats.org/officeDocument/2006/relationships" xmlns:p="http://schemas.openxmlformats.org/presentationml/2006/main">
   <p:cSld>
     <p:spTree>
@@ -6498,7 +7397,7 @@
 </p:sld>
 </file>
 
-<file path=ppt/slides/slide5.xml><?xml version="1.0" encoding="utf-8"?>
+<file path=ppt/slides/slide8.xml><?xml version="1.0" encoding="utf-8"?>
 <p:sld xmlns:a="http://schemas.openxmlformats.org/drawingml/2006/main" xmlns:r="http://schemas.openxmlformats.org/officeDocument/2006/relationships" xmlns:p="http://schemas.openxmlformats.org/presentationml/2006/main">
   <p:cSld>
     <p:spTree>
@@ -6620,516 +7519,6 @@
 </p:sld>
 </file>
 
-<file path=ppt/slides/slide6.xml><?xml version="1.0" encoding="utf-8"?>
-<p:sld xmlns:a="http://schemas.openxmlformats.org/drawingml/2006/main" xmlns:r="http://schemas.openxmlformats.org/officeDocument/2006/relationships" xmlns:p="http://schemas.openxmlformats.org/presentationml/2006/main">
-  <p:cSld>
-    <p:spTree>
-      <p:nvGrpSpPr>
-        <p:cNvPr id="1" name=""/>
-        <p:cNvGrpSpPr/>
-        <p:nvPr/>
-      </p:nvGrpSpPr>
-      <p:grpSpPr>
-        <a:xfrm>
-          <a:off x="0" y="0"/>
-          <a:ext cx="0" cy="0"/>
-          <a:chOff x="0" y="0"/>
-          <a:chExt cx="0" cy="0"/>
-        </a:xfrm>
-      </p:grpSpPr>
-      <p:sp>
-        <p:nvSpPr>
-          <p:cNvPr id="4" name="Title 3">
-            <a:extLst>
-              <a:ext uri="{FF2B5EF4-FFF2-40B4-BE49-F238E27FC236}">
-                <a16:creationId xmlns:a16="http://schemas.microsoft.com/office/drawing/2014/main" id="{30043CE4-E3E0-4A93-8DC8-550663357FEC}"/>
-              </a:ext>
-            </a:extLst>
-          </p:cNvPr>
-          <p:cNvSpPr>
-            <a:spLocks noGrp="1"/>
-          </p:cNvSpPr>
-          <p:nvPr>
-            <p:ph type="title"/>
-          </p:nvPr>
-        </p:nvSpPr>
-        <p:spPr/>
-        <p:txBody>
-          <a:bodyPr/>
-          <a:lstStyle/>
-          <a:p>
-            <a:r>
-              <a:rPr lang="en-US" dirty="0"/>
-              <a:t>Folders</a:t>
-            </a:r>
-          </a:p>
-        </p:txBody>
-      </p:sp>
-      <p:sp>
-        <p:nvSpPr>
-          <p:cNvPr id="5" name="Content Placeholder 4">
-            <a:extLst>
-              <a:ext uri="{FF2B5EF4-FFF2-40B4-BE49-F238E27FC236}">
-                <a16:creationId xmlns:a16="http://schemas.microsoft.com/office/drawing/2014/main" id="{F3D3C89A-CF1D-4699-B402-35CBA5691E51}"/>
-              </a:ext>
-            </a:extLst>
-          </p:cNvPr>
-          <p:cNvSpPr>
-            <a:spLocks noGrp="1"/>
-          </p:cNvSpPr>
-          <p:nvPr>
-            <p:ph idx="1"/>
-          </p:nvPr>
-        </p:nvSpPr>
-        <p:spPr/>
-        <p:txBody>
-          <a:bodyPr/>
-          <a:lstStyle/>
-          <a:p>
-            <a:r>
-              <a:rPr lang="en-US" dirty="0">
-                <a:latin typeface="Courier New" panose="02070309020205020404" pitchFamily="49" charset="0"/>
-                <a:cs typeface="Courier New" panose="02070309020205020404" pitchFamily="49" charset="0"/>
-              </a:rPr>
-              <a:t>ls</a:t>
-            </a:r>
-          </a:p>
-          <a:p>
-            <a:endParaRPr lang="en-US" dirty="0">
-              <a:latin typeface="Courier New" panose="02070309020205020404" pitchFamily="49" charset="0"/>
-              <a:cs typeface="Courier New" panose="02070309020205020404" pitchFamily="49" charset="0"/>
-            </a:endParaRPr>
-          </a:p>
-          <a:p>
-            <a:r>
-              <a:rPr lang="en-US" dirty="0" err="1">
-                <a:latin typeface="Courier New" panose="02070309020205020404" pitchFamily="49" charset="0"/>
-                <a:cs typeface="Courier New" panose="02070309020205020404" pitchFamily="49" charset="0"/>
-              </a:rPr>
-              <a:t>pwd</a:t>
-            </a:r>
-            <a:endParaRPr lang="en-US" dirty="0">
-              <a:latin typeface="Courier New" panose="02070309020205020404" pitchFamily="49" charset="0"/>
-              <a:cs typeface="Courier New" panose="02070309020205020404" pitchFamily="49" charset="0"/>
-            </a:endParaRPr>
-          </a:p>
-          <a:p>
-            <a:endParaRPr lang="en-US" dirty="0">
-              <a:latin typeface="Courier New" panose="02070309020205020404" pitchFamily="49" charset="0"/>
-              <a:cs typeface="Courier New" panose="02070309020205020404" pitchFamily="49" charset="0"/>
-            </a:endParaRPr>
-          </a:p>
-          <a:p>
-            <a:pPr marL="0" indent="0">
-              <a:buNone/>
-            </a:pPr>
-            <a:r>
-              <a:rPr lang="en-US" dirty="0">
-                <a:latin typeface="Courier New" panose="02070309020205020404" pitchFamily="49" charset="0"/>
-                <a:cs typeface="Courier New" panose="02070309020205020404" pitchFamily="49" charset="0"/>
-              </a:rPr>
-              <a:t> cd [path]</a:t>
-            </a:r>
-          </a:p>
-          <a:p>
-            <a:pPr marL="0" indent="0">
-              <a:buNone/>
-            </a:pPr>
-            <a:r>
-              <a:rPr lang="en-US" dirty="0">
-                <a:latin typeface="Courier New" panose="02070309020205020404" pitchFamily="49" charset="0"/>
-                <a:cs typeface="Courier New" panose="02070309020205020404" pitchFamily="49" charset="0"/>
-              </a:rPr>
-              <a:t>	cd .</a:t>
-            </a:r>
-          </a:p>
-          <a:p>
-            <a:pPr marL="0" indent="0">
-              <a:buNone/>
-            </a:pPr>
-            <a:r>
-              <a:rPr lang="en-US" dirty="0">
-                <a:latin typeface="Courier New" panose="02070309020205020404" pitchFamily="49" charset="0"/>
-                <a:cs typeface="Courier New" panose="02070309020205020404" pitchFamily="49" charset="0"/>
-              </a:rPr>
-              <a:t>	cd ..</a:t>
-            </a:r>
-          </a:p>
-        </p:txBody>
-      </p:sp>
-      <p:sp>
-        <p:nvSpPr>
-          <p:cNvPr id="6" name="Rectangle 5">
-            <a:extLst>
-              <a:ext uri="{FF2B5EF4-FFF2-40B4-BE49-F238E27FC236}">
-                <a16:creationId xmlns:a16="http://schemas.microsoft.com/office/drawing/2014/main" id="{C61FA137-215E-4C33-810A-3EBC9BC9EBAB}"/>
-              </a:ext>
-            </a:extLst>
-          </p:cNvPr>
-          <p:cNvSpPr/>
-          <p:nvPr/>
-        </p:nvSpPr>
-        <p:spPr>
-          <a:xfrm>
-            <a:off x="657224" y="5989135"/>
-            <a:ext cx="5441939" cy="369332"/>
-          </a:xfrm>
-          <a:prstGeom prst="rect">
-            <a:avLst/>
-          </a:prstGeom>
-        </p:spPr>
-        <p:txBody>
-          <a:bodyPr wrap="none">
-            <a:spAutoFit/>
-          </a:bodyPr>
-          <a:lstStyle/>
-          <a:p>
-            <a:r>
-              <a:rPr lang="en-US" dirty="0"/>
-              <a:t>Cheat sheet: https://gist.github.com/poopsplat/7195274</a:t>
-            </a:r>
-          </a:p>
-        </p:txBody>
-      </p:sp>
-    </p:spTree>
-    <p:extLst>
-      <p:ext uri="{BB962C8B-B14F-4D97-AF65-F5344CB8AC3E}">
-        <p14:creationId xmlns:p14="http://schemas.microsoft.com/office/powerpoint/2010/main" val="4291226741"/>
-      </p:ext>
-    </p:extLst>
-  </p:cSld>
-  <p:clrMapOvr>
-    <a:masterClrMapping/>
-  </p:clrMapOvr>
-</p:sld>
-</file>
-
-<file path=ppt/slides/slide7.xml><?xml version="1.0" encoding="utf-8"?>
-<p:sld xmlns:a="http://schemas.openxmlformats.org/drawingml/2006/main" xmlns:r="http://schemas.openxmlformats.org/officeDocument/2006/relationships" xmlns:p="http://schemas.openxmlformats.org/presentationml/2006/main">
-  <p:cSld>
-    <p:spTree>
-      <p:nvGrpSpPr>
-        <p:cNvPr id="1" name=""/>
-        <p:cNvGrpSpPr/>
-        <p:nvPr/>
-      </p:nvGrpSpPr>
-      <p:grpSpPr>
-        <a:xfrm>
-          <a:off x="0" y="0"/>
-          <a:ext cx="0" cy="0"/>
-          <a:chOff x="0" y="0"/>
-          <a:chExt cx="0" cy="0"/>
-        </a:xfrm>
-      </p:grpSpPr>
-      <p:sp>
-        <p:nvSpPr>
-          <p:cNvPr id="4" name="Title 3">
-            <a:extLst>
-              <a:ext uri="{FF2B5EF4-FFF2-40B4-BE49-F238E27FC236}">
-                <a16:creationId xmlns:a16="http://schemas.microsoft.com/office/drawing/2014/main" id="{30043CE4-E3E0-4A93-8DC8-550663357FEC}"/>
-              </a:ext>
-            </a:extLst>
-          </p:cNvPr>
-          <p:cNvSpPr>
-            <a:spLocks noGrp="1"/>
-          </p:cNvSpPr>
-          <p:nvPr>
-            <p:ph type="title"/>
-          </p:nvPr>
-        </p:nvSpPr>
-        <p:spPr/>
-        <p:txBody>
-          <a:bodyPr/>
-          <a:lstStyle/>
-          <a:p>
-            <a:r>
-              <a:rPr lang="en-US" dirty="0"/>
-              <a:t>Folders</a:t>
-            </a:r>
-          </a:p>
-        </p:txBody>
-      </p:sp>
-      <p:sp>
-        <p:nvSpPr>
-          <p:cNvPr id="5" name="Content Placeholder 4">
-            <a:extLst>
-              <a:ext uri="{FF2B5EF4-FFF2-40B4-BE49-F238E27FC236}">
-                <a16:creationId xmlns:a16="http://schemas.microsoft.com/office/drawing/2014/main" id="{F3D3C89A-CF1D-4699-B402-35CBA5691E51}"/>
-              </a:ext>
-            </a:extLst>
-          </p:cNvPr>
-          <p:cNvSpPr>
-            <a:spLocks noGrp="1"/>
-          </p:cNvSpPr>
-          <p:nvPr>
-            <p:ph idx="1"/>
-          </p:nvPr>
-        </p:nvSpPr>
-        <p:spPr/>
-        <p:txBody>
-          <a:bodyPr/>
-          <a:lstStyle/>
-          <a:p>
-            <a:r>
-              <a:rPr lang="en-US" dirty="0">
-                <a:latin typeface="Courier New" panose="02070309020205020404" pitchFamily="49" charset="0"/>
-                <a:cs typeface="Courier New" panose="02070309020205020404" pitchFamily="49" charset="0"/>
-              </a:rPr>
-              <a:t>ls</a:t>
-            </a:r>
-          </a:p>
-          <a:p>
-            <a:endParaRPr lang="en-US" dirty="0">
-              <a:latin typeface="Courier New" panose="02070309020205020404" pitchFamily="49" charset="0"/>
-              <a:cs typeface="Courier New" panose="02070309020205020404" pitchFamily="49" charset="0"/>
-            </a:endParaRPr>
-          </a:p>
-          <a:p>
-            <a:r>
-              <a:rPr lang="en-US" dirty="0" err="1">
-                <a:latin typeface="Courier New" panose="02070309020205020404" pitchFamily="49" charset="0"/>
-                <a:cs typeface="Courier New" panose="02070309020205020404" pitchFamily="49" charset="0"/>
-              </a:rPr>
-              <a:t>pwd</a:t>
-            </a:r>
-            <a:endParaRPr lang="en-US" dirty="0">
-              <a:latin typeface="Courier New" panose="02070309020205020404" pitchFamily="49" charset="0"/>
-              <a:cs typeface="Courier New" panose="02070309020205020404" pitchFamily="49" charset="0"/>
-            </a:endParaRPr>
-          </a:p>
-          <a:p>
-            <a:endParaRPr lang="en-US" dirty="0">
-              <a:latin typeface="Courier New" panose="02070309020205020404" pitchFamily="49" charset="0"/>
-              <a:cs typeface="Courier New" panose="02070309020205020404" pitchFamily="49" charset="0"/>
-            </a:endParaRPr>
-          </a:p>
-          <a:p>
-            <a:pPr marL="0" indent="0">
-              <a:buNone/>
-            </a:pPr>
-            <a:r>
-              <a:rPr lang="en-US" dirty="0">
-                <a:latin typeface="Courier New" panose="02070309020205020404" pitchFamily="49" charset="0"/>
-                <a:cs typeface="Courier New" panose="02070309020205020404" pitchFamily="49" charset="0"/>
-              </a:rPr>
-              <a:t> cd [path]</a:t>
-            </a:r>
-          </a:p>
-          <a:p>
-            <a:pPr marL="0" indent="0">
-              <a:buNone/>
-            </a:pPr>
-            <a:r>
-              <a:rPr lang="en-US" dirty="0">
-                <a:latin typeface="Courier New" panose="02070309020205020404" pitchFamily="49" charset="0"/>
-                <a:cs typeface="Courier New" panose="02070309020205020404" pitchFamily="49" charset="0"/>
-              </a:rPr>
-              <a:t>	cd .</a:t>
-            </a:r>
-          </a:p>
-          <a:p>
-            <a:pPr marL="0" indent="0">
-              <a:buNone/>
-            </a:pPr>
-            <a:r>
-              <a:rPr lang="en-US" dirty="0">
-                <a:latin typeface="Courier New" panose="02070309020205020404" pitchFamily="49" charset="0"/>
-                <a:cs typeface="Courier New" panose="02070309020205020404" pitchFamily="49" charset="0"/>
-              </a:rPr>
-              <a:t>	cd ..</a:t>
-            </a:r>
-          </a:p>
-        </p:txBody>
-      </p:sp>
-      <p:sp>
-        <p:nvSpPr>
-          <p:cNvPr id="6" name="Rectangle 5">
-            <a:extLst>
-              <a:ext uri="{FF2B5EF4-FFF2-40B4-BE49-F238E27FC236}">
-                <a16:creationId xmlns:a16="http://schemas.microsoft.com/office/drawing/2014/main" id="{C61FA137-215E-4C33-810A-3EBC9BC9EBAB}"/>
-              </a:ext>
-            </a:extLst>
-          </p:cNvPr>
-          <p:cNvSpPr/>
-          <p:nvPr/>
-        </p:nvSpPr>
-        <p:spPr>
-          <a:xfrm>
-            <a:off x="657224" y="5989135"/>
-            <a:ext cx="5441939" cy="369332"/>
-          </a:xfrm>
-          <a:prstGeom prst="rect">
-            <a:avLst/>
-          </a:prstGeom>
-        </p:spPr>
-        <p:txBody>
-          <a:bodyPr wrap="none">
-            <a:spAutoFit/>
-          </a:bodyPr>
-          <a:lstStyle/>
-          <a:p>
-            <a:r>
-              <a:rPr lang="en-US" dirty="0"/>
-              <a:t>Cheat sheet: https://gist.github.com/poopsplat/7195274</a:t>
-            </a:r>
-          </a:p>
-        </p:txBody>
-      </p:sp>
-      <p:sp>
-        <p:nvSpPr>
-          <p:cNvPr id="2" name="TextBox 1">
-            <a:extLst>
-              <a:ext uri="{FF2B5EF4-FFF2-40B4-BE49-F238E27FC236}">
-                <a16:creationId xmlns:a16="http://schemas.microsoft.com/office/drawing/2014/main" id="{F862A1D9-2C4E-4117-B2C3-FD480F9E4C10}"/>
-              </a:ext>
-            </a:extLst>
-          </p:cNvPr>
-          <p:cNvSpPr txBox="1"/>
-          <p:nvPr/>
-        </p:nvSpPr>
-        <p:spPr>
-          <a:xfrm>
-            <a:off x="5292969" y="2092569"/>
-            <a:ext cx="3611117" cy="1538883"/>
-          </a:xfrm>
-          <a:prstGeom prst="rect">
-            <a:avLst/>
-          </a:prstGeom>
-          <a:noFill/>
-        </p:spPr>
-        <p:txBody>
-          <a:bodyPr wrap="none" rtlCol="0">
-            <a:spAutoFit/>
-          </a:bodyPr>
-          <a:lstStyle/>
-          <a:p>
-            <a:r>
-              <a:rPr lang="en-US" sz="3600" dirty="0"/>
-              <a:t>Now let’s practice:</a:t>
-            </a:r>
-          </a:p>
-          <a:p>
-            <a:pPr marL="457200" indent="-457200">
-              <a:buAutoNum type="arabicPeriod"/>
-            </a:pPr>
-            <a:r>
-              <a:rPr lang="en-US" sz="2000" dirty="0"/>
-              <a:t>Open terminal</a:t>
-            </a:r>
-          </a:p>
-          <a:p>
-            <a:pPr marL="457200" indent="-457200">
-              <a:buAutoNum type="arabicPeriod"/>
-            </a:pPr>
-            <a:r>
-              <a:rPr lang="en-US" sz="2000" dirty="0"/>
-              <a:t>Type cd ~</a:t>
-            </a:r>
-          </a:p>
-          <a:p>
-            <a:endParaRPr lang="en-US" dirty="0"/>
-          </a:p>
-        </p:txBody>
-      </p:sp>
-    </p:spTree>
-    <p:extLst>
-      <p:ext uri="{BB962C8B-B14F-4D97-AF65-F5344CB8AC3E}">
-        <p14:creationId xmlns:p14="http://schemas.microsoft.com/office/powerpoint/2010/main" val="2060286828"/>
-      </p:ext>
-    </p:extLst>
-  </p:cSld>
-  <p:clrMapOvr>
-    <a:masterClrMapping/>
-  </p:clrMapOvr>
-</p:sld>
-</file>
-
-<file path=ppt/slides/slide8.xml><?xml version="1.0" encoding="utf-8"?>
-<p:sld xmlns:a="http://schemas.openxmlformats.org/drawingml/2006/main" xmlns:r="http://schemas.openxmlformats.org/officeDocument/2006/relationships" xmlns:p="http://schemas.openxmlformats.org/presentationml/2006/main">
-  <p:cSld>
-    <p:spTree>
-      <p:nvGrpSpPr>
-        <p:cNvPr id="1" name=""/>
-        <p:cNvGrpSpPr/>
-        <p:nvPr/>
-      </p:nvGrpSpPr>
-      <p:grpSpPr>
-        <a:xfrm>
-          <a:off x="0" y="0"/>
-          <a:ext cx="0" cy="0"/>
-          <a:chOff x="0" y="0"/>
-          <a:chExt cx="0" cy="0"/>
-        </a:xfrm>
-      </p:grpSpPr>
-      <p:sp>
-        <p:nvSpPr>
-          <p:cNvPr id="2" name="Title 1">
-            <a:extLst>
-              <a:ext uri="{FF2B5EF4-FFF2-40B4-BE49-F238E27FC236}">
-                <a16:creationId xmlns:a16="http://schemas.microsoft.com/office/drawing/2014/main" id="{9B4F45B0-2EC9-460C-AA5E-BBD97C77F9E5}"/>
-              </a:ext>
-            </a:extLst>
-          </p:cNvPr>
-          <p:cNvSpPr>
-            <a:spLocks noGrp="1"/>
-          </p:cNvSpPr>
-          <p:nvPr>
-            <p:ph type="title"/>
-          </p:nvPr>
-        </p:nvSpPr>
-        <p:spPr/>
-        <p:txBody>
-          <a:bodyPr/>
-          <a:lstStyle/>
-          <a:p>
-            <a:r>
-              <a:rPr lang="en-US" dirty="0"/>
-              <a:t>Review of Python and Pandas</a:t>
-            </a:r>
-          </a:p>
-        </p:txBody>
-      </p:sp>
-      <p:sp>
-        <p:nvSpPr>
-          <p:cNvPr id="3" name="Subtitle 2">
-            <a:extLst>
-              <a:ext uri="{FF2B5EF4-FFF2-40B4-BE49-F238E27FC236}">
-                <a16:creationId xmlns:a16="http://schemas.microsoft.com/office/drawing/2014/main" id="{71D0EB3C-4AAC-42F8-8BFE-7C0F722C1C93}"/>
-              </a:ext>
-            </a:extLst>
-          </p:cNvPr>
-          <p:cNvSpPr>
-            <a:spLocks noGrp="1"/>
-          </p:cNvSpPr>
-          <p:nvPr>
-            <p:ph type="body" idx="1"/>
-          </p:nvPr>
-        </p:nvSpPr>
-        <p:spPr/>
-        <p:txBody>
-          <a:bodyPr/>
-          <a:lstStyle/>
-          <a:p>
-            <a:r>
-              <a:rPr lang="en-US" dirty="0"/>
-              <a:t>Princeton AI4ALL: NLP Group</a:t>
-            </a:r>
-          </a:p>
-        </p:txBody>
-      </p:sp>
-    </p:spTree>
-    <p:extLst>
-      <p:ext uri="{BB962C8B-B14F-4D97-AF65-F5344CB8AC3E}">
-        <p14:creationId xmlns:p14="http://schemas.microsoft.com/office/powerpoint/2010/main" val="754661235"/>
-      </p:ext>
-    </p:extLst>
-  </p:cSld>
-  <p:clrMapOvr>
-    <a:masterClrMapping/>
-  </p:clrMapOvr>
-</p:sld>
-</file>
-
 <file path=ppt/slides/slide9.xml><?xml version="1.0" encoding="utf-8"?>
 <p:sld xmlns:a="http://schemas.openxmlformats.org/drawingml/2006/main" xmlns:r="http://schemas.openxmlformats.org/officeDocument/2006/relationships" xmlns:p="http://schemas.openxmlformats.org/presentationml/2006/main">
   <p:cSld>
@@ -7163,45 +7552,140 @@
             <p:ph type="title"/>
           </p:nvPr>
         </p:nvSpPr>
+        <p:spPr/>
+        <p:txBody>
+          <a:bodyPr/>
+          <a:lstStyle/>
+          <a:p>
+            <a:r>
+              <a:rPr lang="en-US" dirty="0"/>
+              <a:t>Folders</a:t>
+            </a:r>
+          </a:p>
+        </p:txBody>
+      </p:sp>
+      <p:sp>
+        <p:nvSpPr>
+          <p:cNvPr id="5" name="Content Placeholder 4">
+            <a:extLst>
+              <a:ext uri="{FF2B5EF4-FFF2-40B4-BE49-F238E27FC236}">
+                <a16:creationId xmlns:a16="http://schemas.microsoft.com/office/drawing/2014/main" id="{F3D3C89A-CF1D-4699-B402-35CBA5691E51}"/>
+              </a:ext>
+            </a:extLst>
+          </p:cNvPr>
+          <p:cNvSpPr>
+            <a:spLocks noGrp="1"/>
+          </p:cNvSpPr>
+          <p:nvPr>
+            <p:ph idx="1"/>
+          </p:nvPr>
+        </p:nvSpPr>
+        <p:spPr/>
+        <p:txBody>
+          <a:bodyPr/>
+          <a:lstStyle/>
+          <a:p>
+            <a:r>
+              <a:rPr lang="en-US" dirty="0">
+                <a:latin typeface="Courier New" panose="02070309020205020404" pitchFamily="49" charset="0"/>
+                <a:cs typeface="Courier New" panose="02070309020205020404" pitchFamily="49" charset="0"/>
+              </a:rPr>
+              <a:t>ls</a:t>
+            </a:r>
+          </a:p>
+          <a:p>
+            <a:endParaRPr lang="en-US" dirty="0">
+              <a:latin typeface="Courier New" panose="02070309020205020404" pitchFamily="49" charset="0"/>
+              <a:cs typeface="Courier New" panose="02070309020205020404" pitchFamily="49" charset="0"/>
+            </a:endParaRPr>
+          </a:p>
+          <a:p>
+            <a:r>
+              <a:rPr lang="en-US" dirty="0" err="1">
+                <a:latin typeface="Courier New" panose="02070309020205020404" pitchFamily="49" charset="0"/>
+                <a:cs typeface="Courier New" panose="02070309020205020404" pitchFamily="49" charset="0"/>
+              </a:rPr>
+              <a:t>pwd</a:t>
+            </a:r>
+            <a:endParaRPr lang="en-US" dirty="0">
+              <a:latin typeface="Courier New" panose="02070309020205020404" pitchFamily="49" charset="0"/>
+              <a:cs typeface="Courier New" panose="02070309020205020404" pitchFamily="49" charset="0"/>
+            </a:endParaRPr>
+          </a:p>
+          <a:p>
+            <a:endParaRPr lang="en-US" dirty="0">
+              <a:latin typeface="Courier New" panose="02070309020205020404" pitchFamily="49" charset="0"/>
+              <a:cs typeface="Courier New" panose="02070309020205020404" pitchFamily="49" charset="0"/>
+            </a:endParaRPr>
+          </a:p>
+          <a:p>
+            <a:pPr marL="0" indent="0">
+              <a:buNone/>
+            </a:pPr>
+            <a:r>
+              <a:rPr lang="en-US" dirty="0">
+                <a:latin typeface="Courier New" panose="02070309020205020404" pitchFamily="49" charset="0"/>
+                <a:cs typeface="Courier New" panose="02070309020205020404" pitchFamily="49" charset="0"/>
+              </a:rPr>
+              <a:t> cd [path]</a:t>
+            </a:r>
+          </a:p>
+          <a:p>
+            <a:pPr marL="0" indent="0">
+              <a:buNone/>
+            </a:pPr>
+            <a:r>
+              <a:rPr lang="en-US" dirty="0">
+                <a:latin typeface="Courier New" panose="02070309020205020404" pitchFamily="49" charset="0"/>
+                <a:cs typeface="Courier New" panose="02070309020205020404" pitchFamily="49" charset="0"/>
+              </a:rPr>
+              <a:t>	cd .</a:t>
+            </a:r>
+          </a:p>
+          <a:p>
+            <a:pPr marL="0" indent="0">
+              <a:buNone/>
+            </a:pPr>
+            <a:r>
+              <a:rPr lang="en-US" dirty="0">
+                <a:latin typeface="Courier New" panose="02070309020205020404" pitchFamily="49" charset="0"/>
+                <a:cs typeface="Courier New" panose="02070309020205020404" pitchFamily="49" charset="0"/>
+              </a:rPr>
+              <a:t>	cd ..</a:t>
+            </a:r>
+          </a:p>
+        </p:txBody>
+      </p:sp>
+      <p:sp>
+        <p:nvSpPr>
+          <p:cNvPr id="6" name="Rectangle 5">
+            <a:extLst>
+              <a:ext uri="{FF2B5EF4-FFF2-40B4-BE49-F238E27FC236}">
+                <a16:creationId xmlns:a16="http://schemas.microsoft.com/office/drawing/2014/main" id="{C61FA137-215E-4C33-810A-3EBC9BC9EBAB}"/>
+              </a:ext>
+            </a:extLst>
+          </p:cNvPr>
+          <p:cNvSpPr/>
+          <p:nvPr/>
+        </p:nvSpPr>
         <p:spPr>
           <a:xfrm>
-            <a:off x="657224" y="499533"/>
-            <a:ext cx="10772775" cy="5707836"/>
+            <a:off x="657224" y="5989135"/>
+            <a:ext cx="5441939" cy="369332"/>
           </a:xfrm>
+          <a:prstGeom prst="rect">
+            <a:avLst/>
+          </a:prstGeom>
         </p:spPr>
         <p:txBody>
-          <a:bodyPr>
-            <a:normAutofit/>
+          <a:bodyPr wrap="none">
+            <a:spAutoFit/>
           </a:bodyPr>
           <a:lstStyle/>
           <a:p>
-            <a:br>
+            <a:r>
               <a:rPr lang="en-US" dirty="0"/>
-            </a:br>
-            <a:r>
-              <a:rPr lang="en-US" dirty="0"/>
-              <a:t>Parameters + Functions</a:t>
-            </a:r>
-            <a:br>
-              <a:rPr lang="en-US" dirty="0"/>
-            </a:br>
-            <a:r>
-              <a:rPr lang="en-US" dirty="0" err="1"/>
-              <a:t>Dataframes</a:t>
-            </a:r>
-            <a:br>
-              <a:rPr lang="en-US" dirty="0"/>
-            </a:br>
-            <a:r>
-              <a:rPr lang="en-US" dirty="0"/>
-              <a:t>Documentation</a:t>
-            </a:r>
-            <a:br>
-              <a:rPr lang="en-US" dirty="0"/>
-            </a:br>
-            <a:r>
-              <a:rPr lang="en-US" dirty="0"/>
-              <a:t>Errors</a:t>
+              <a:t>Cheat sheet: https://gist.github.com/poopsplat/7195274</a:t>
             </a:r>
           </a:p>
         </p:txBody>
@@ -7209,7 +7693,7 @@
     </p:spTree>
     <p:extLst>
       <p:ext uri="{BB962C8B-B14F-4D97-AF65-F5344CB8AC3E}">
-        <p14:creationId xmlns:p14="http://schemas.microsoft.com/office/powerpoint/2010/main" val="2491833496"/>
+        <p14:creationId xmlns:p14="http://schemas.microsoft.com/office/powerpoint/2010/main" val="4291226741"/>
       </p:ext>
     </p:extLst>
   </p:cSld>
